--- a/arquitetura.pptx
+++ b/arquitetura.pptx
@@ -6,9 +6,8 @@
   </p:sldMasterIdLst>
   <p:sldIdLst>
     <p:sldId id="256" r:id="rId2"/>
-    <p:sldId id="259" r:id="rId3"/>
-    <p:sldId id="257" r:id="rId4"/>
-    <p:sldId id="258" r:id="rId5"/>
+    <p:sldId id="257" r:id="rId3"/>
+    <p:sldId id="259" r:id="rId4"/>
   </p:sldIdLst>
   <p:sldSz cx="12192000" cy="6858000"/>
   <p:notesSz cx="6858000" cy="9144000"/>
@@ -170,47 +169,6 @@
 
 <file path=ppt/comments/comment2.xml><?xml version="1.0" encoding="utf-8"?>
 <p:cmLst xmlns:a="http://schemas.openxmlformats.org/drawingml/2006/main" xmlns:r="http://schemas.openxmlformats.org/officeDocument/2006/relationships" xmlns:p="http://schemas.openxmlformats.org/presentationml/2006/main">
-  <p:cm authorId="1" dt="2022-06-30T22:08:55.233" idx="1">
-    <p:pos x="5119" y="2007"/>
-    <p:text>Módulo que recebe todos os outputs do sistema para o usuario. Para consumir as mensagens basta criar uma thread que consome elementos de uma lista de modo concorrente (rpoblema consumidor produtor)</p:text>
-    <p:extLst>
-      <p:ext uri="{C676402C-5697-4E1C-873F-D02D1690AC5C}">
-        <p15:threadingInfo xmlns:p15="http://schemas.microsoft.com/office/powerpoint/2012/main" timeZoneBias="180"/>
-      </p:ext>
-    </p:extLst>
-  </p:cm>
-  <p:cm authorId="1" dt="2022-06-30T22:11:17.487" idx="2">
-    <p:pos x="3931" y="2702"/>
-    <p:text>Classe resposável pela execução do experimento</p:text>
-    <p:extLst>
-      <p:ext uri="{C676402C-5697-4E1C-873F-D02D1690AC5C}">
-        <p15:threadingInfo xmlns:p15="http://schemas.microsoft.com/office/powerpoint/2012/main" timeZoneBias="180"/>
-      </p:ext>
-    </p:extLst>
-  </p:cm>
-  <p:cm authorId="1" dt="2022-06-30T22:11:39.235" idx="3">
-    <p:pos x="6011" y="2699"/>
-    <p:text>Classe responsável por coletar estatisticas da execução do experimento e gerar um relatório</p:text>
-    <p:extLst>
-      <p:ext uri="{C676402C-5697-4E1C-873F-D02D1690AC5C}">
-        <p15:threadingInfo xmlns:p15="http://schemas.microsoft.com/office/powerpoint/2012/main" timeZoneBias="180"/>
-      </p:ext>
-    </p:extLst>
-  </p:cm>
-  <p:cm authorId="1" dt="2022-06-30T22:19:30.952" idx="5">
-    <p:pos x="4765" y="3548"/>
-    <p:text>This class is not only responsible for linking network nodes, but also all the remainings network configurations</p:text>
-    <p:extLst>
-      <p:ext uri="{C676402C-5697-4E1C-873F-D02D1690AC5C}">
-        <p15:threadingInfo xmlns:p15="http://schemas.microsoft.com/office/powerpoint/2012/main" timeZoneBias="180"/>
-      </p:ext>
-    </p:extLst>
-  </p:cm>
-</p:cmLst>
-</file>
-
-<file path=ppt/comments/comment3.xml><?xml version="1.0" encoding="utf-8"?>
-<p:cmLst xmlns:a="http://schemas.openxmlformats.org/drawingml/2006/main" xmlns:r="http://schemas.openxmlformats.org/officeDocument/2006/relationships" xmlns:p="http://schemas.openxmlformats.org/presentationml/2006/main">
   <p:cm authorId="1" dt="2022-06-30T22:12:28.560" idx="4">
     <p:pos x="5384" y="3064"/>
     <p:text>Controla e executa comandos na linha de comando</p:text>
@@ -354,7 +312,7 @@
           <a:p>
             <a:fld id="{924843CB-3774-4423-B2FF-D6E13EC0AB0C}" type="datetimeFigureOut">
               <a:rPr lang="pt-BR" smtClean="0"/>
-              <a:t>30/06/2022</a:t>
+              <a:t>12/07/2022</a:t>
             </a:fld>
             <a:endParaRPr lang="pt-BR"/>
           </a:p>
@@ -524,7 +482,7 @@
           <a:p>
             <a:fld id="{924843CB-3774-4423-B2FF-D6E13EC0AB0C}" type="datetimeFigureOut">
               <a:rPr lang="pt-BR" smtClean="0"/>
-              <a:t>30/06/2022</a:t>
+              <a:t>12/07/2022</a:t>
             </a:fld>
             <a:endParaRPr lang="pt-BR"/>
           </a:p>
@@ -704,7 +662,7 @@
           <a:p>
             <a:fld id="{924843CB-3774-4423-B2FF-D6E13EC0AB0C}" type="datetimeFigureOut">
               <a:rPr lang="pt-BR" smtClean="0"/>
-              <a:t>30/06/2022</a:t>
+              <a:t>12/07/2022</a:t>
             </a:fld>
             <a:endParaRPr lang="pt-BR"/>
           </a:p>
@@ -874,7 +832,7 @@
           <a:p>
             <a:fld id="{924843CB-3774-4423-B2FF-D6E13EC0AB0C}" type="datetimeFigureOut">
               <a:rPr lang="pt-BR" smtClean="0"/>
-              <a:t>30/06/2022</a:t>
+              <a:t>12/07/2022</a:t>
             </a:fld>
             <a:endParaRPr lang="pt-BR"/>
           </a:p>
@@ -1120,7 +1078,7 @@
           <a:p>
             <a:fld id="{924843CB-3774-4423-B2FF-D6E13EC0AB0C}" type="datetimeFigureOut">
               <a:rPr lang="pt-BR" smtClean="0"/>
-              <a:t>30/06/2022</a:t>
+              <a:t>12/07/2022</a:t>
             </a:fld>
             <a:endParaRPr lang="pt-BR"/>
           </a:p>
@@ -1352,7 +1310,7 @@
           <a:p>
             <a:fld id="{924843CB-3774-4423-B2FF-D6E13EC0AB0C}" type="datetimeFigureOut">
               <a:rPr lang="pt-BR" smtClean="0"/>
-              <a:t>30/06/2022</a:t>
+              <a:t>12/07/2022</a:t>
             </a:fld>
             <a:endParaRPr lang="pt-BR"/>
           </a:p>
@@ -1719,7 +1677,7 @@
           <a:p>
             <a:fld id="{924843CB-3774-4423-B2FF-D6E13EC0AB0C}" type="datetimeFigureOut">
               <a:rPr lang="pt-BR" smtClean="0"/>
-              <a:t>30/06/2022</a:t>
+              <a:t>12/07/2022</a:t>
             </a:fld>
             <a:endParaRPr lang="pt-BR"/>
           </a:p>
@@ -1837,7 +1795,7 @@
           <a:p>
             <a:fld id="{924843CB-3774-4423-B2FF-D6E13EC0AB0C}" type="datetimeFigureOut">
               <a:rPr lang="pt-BR" smtClean="0"/>
-              <a:t>30/06/2022</a:t>
+              <a:t>12/07/2022</a:t>
             </a:fld>
             <a:endParaRPr lang="pt-BR"/>
           </a:p>
@@ -1932,7 +1890,7 @@
           <a:p>
             <a:fld id="{924843CB-3774-4423-B2FF-D6E13EC0AB0C}" type="datetimeFigureOut">
               <a:rPr lang="pt-BR" smtClean="0"/>
-              <a:t>30/06/2022</a:t>
+              <a:t>12/07/2022</a:t>
             </a:fld>
             <a:endParaRPr lang="pt-BR"/>
           </a:p>
@@ -2209,7 +2167,7 @@
           <a:p>
             <a:fld id="{924843CB-3774-4423-B2FF-D6E13EC0AB0C}" type="datetimeFigureOut">
               <a:rPr lang="pt-BR" smtClean="0"/>
-              <a:t>30/06/2022</a:t>
+              <a:t>12/07/2022</a:t>
             </a:fld>
             <a:endParaRPr lang="pt-BR"/>
           </a:p>
@@ -2462,7 +2420,7 @@
           <a:p>
             <a:fld id="{924843CB-3774-4423-B2FF-D6E13EC0AB0C}" type="datetimeFigureOut">
               <a:rPr lang="pt-BR" smtClean="0"/>
-              <a:t>30/06/2022</a:t>
+              <a:t>12/07/2022</a:t>
             </a:fld>
             <a:endParaRPr lang="pt-BR"/>
           </a:p>
@@ -2675,7 +2633,7 @@
           <a:p>
             <a:fld id="{924843CB-3774-4423-B2FF-D6E13EC0AB0C}" type="datetimeFigureOut">
               <a:rPr lang="pt-BR" smtClean="0"/>
-              <a:t>30/06/2022</a:t>
+              <a:t>12/07/2022</a:t>
             </a:fld>
             <a:endParaRPr lang="pt-BR"/>
           </a:p>
@@ -3710,11 +3668,7 @@
           <a:p>
             <a:r>
               <a:rPr lang="pt-BR" dirty="0" smtClean="0"/>
-              <a:t>SYSTEM RESPONSE </a:t>
-            </a:r>
-            <a:r>
-              <a:rPr lang="pt-BR" dirty="0" smtClean="0"/>
-              <a:t>CLASS</a:t>
+              <a:t>SYSTEM RESPONSE CLASS</a:t>
             </a:r>
             <a:endParaRPr lang="pt-BR" dirty="0"/>
           </a:p>
@@ -4881,7 +4835,6 @@
               <a:rPr lang="pt-BR" sz="1200" dirty="0" smtClean="0"/>
               <a:t> output</a:t>
             </a:r>
-            <a:endParaRPr lang="pt-BR" sz="1200" dirty="0" smtClean="0"/>
           </a:p>
         </p:txBody>
       </p:sp>
@@ -4915,7 +4868,6 @@
               <a:rPr lang="pt-BR" sz="1200" dirty="0" smtClean="0"/>
               <a:t> output</a:t>
             </a:r>
-            <a:endParaRPr lang="pt-BR" sz="1200" dirty="0" smtClean="0"/>
           </a:p>
         </p:txBody>
       </p:sp>
@@ -4965,7 +4917,6 @@
               <a:rPr lang="pt-BR" sz="1200" dirty="0" smtClean="0"/>
               <a:t> system</a:t>
             </a:r>
-            <a:endParaRPr lang="pt-BR" sz="1200" dirty="0" smtClean="0"/>
           </a:p>
         </p:txBody>
       </p:sp>
@@ -5015,7 +4966,6 @@
               <a:rPr lang="pt-BR" sz="1200" dirty="0" smtClean="0"/>
               <a:t> system</a:t>
             </a:r>
-            <a:endParaRPr lang="pt-BR" sz="1200" dirty="0" smtClean="0"/>
           </a:p>
         </p:txBody>
       </p:sp>
@@ -5086,7 +5036,6 @@
               <a:rPr lang="pt-BR" dirty="0" smtClean="0"/>
               <a:t>FILE HANDLER</a:t>
             </a:r>
-            <a:endParaRPr lang="pt-BR" dirty="0" smtClean="0"/>
           </a:p>
           <a:p>
             <a:r>
@@ -5107,6 +5056,13 @@
   <p:clrMapOvr>
     <a:masterClrMapping/>
   </p:clrMapOvr>
+  <p:timing>
+    <p:tnLst>
+      <p:par>
+        <p:cTn id="1" dur="indefinite" restart="never" nodeType="tmRoot"/>
+      </p:par>
+    </p:tnLst>
+  </p:timing>
 </p:sld>
 </file>
 
@@ -5135,8 +5091,8 @@
         </p:nvSpPr>
         <p:spPr>
           <a:xfrm>
-            <a:off x="3392888" y="1995803"/>
-            <a:ext cx="6665510" cy="4435477"/>
+            <a:off x="1819225" y="1178821"/>
+            <a:ext cx="9928015" cy="4504697"/>
           </a:xfrm>
           <a:prstGeom prst="rect">
             <a:avLst/>
@@ -5170,14 +5126,44 @@
       </p:sp>
       <p:sp>
         <p:nvSpPr>
+          <p:cNvPr id="5" name="CaixaDeTexto 4"/>
+          <p:cNvSpPr txBox="1"/>
+          <p:nvPr/>
+        </p:nvSpPr>
+        <p:spPr>
+          <a:xfrm>
+            <a:off x="1911253" y="1253105"/>
+            <a:ext cx="2078678" cy="369332"/>
+          </a:xfrm>
+          <a:prstGeom prst="rect">
+            <a:avLst/>
+          </a:prstGeom>
+          <a:noFill/>
+        </p:spPr>
+        <p:txBody>
+          <a:bodyPr wrap="square" rtlCol="0">
+            <a:spAutoFit/>
+          </a:bodyPr>
+          <a:lstStyle/>
+          <a:p>
+            <a:r>
+              <a:rPr lang="pt-BR" dirty="0" smtClean="0"/>
+              <a:t>EXECUTOR CLASS</a:t>
+            </a:r>
+            <a:endParaRPr lang="pt-BR" dirty="0"/>
+          </a:p>
+        </p:txBody>
+      </p:sp>
+      <p:sp>
+        <p:nvSpPr>
           <p:cNvPr id="6" name="Retângulo 5"/>
           <p:cNvSpPr/>
           <p:nvPr/>
         </p:nvSpPr>
         <p:spPr>
           <a:xfrm>
-            <a:off x="3392888" y="1161217"/>
-            <a:ext cx="3246451" cy="357081"/>
+            <a:off x="654264" y="2842300"/>
+            <a:ext cx="624604" cy="734350"/>
           </a:xfrm>
           <a:prstGeom prst="rect">
             <a:avLst/>
@@ -5211,19 +5197,54 @@
       </p:sp>
       <p:sp>
         <p:nvSpPr>
-          <p:cNvPr id="7" name="Retângulo 6"/>
+          <p:cNvPr id="7" name="CaixaDeTexto 6"/>
+          <p:cNvSpPr txBox="1"/>
+          <p:nvPr/>
+        </p:nvSpPr>
+        <p:spPr>
+          <a:xfrm>
+            <a:off x="644007" y="2910143"/>
+            <a:ext cx="906691" cy="646331"/>
+          </a:xfrm>
+          <a:prstGeom prst="rect">
+            <a:avLst/>
+          </a:prstGeom>
+          <a:noFill/>
+        </p:spPr>
+        <p:txBody>
+          <a:bodyPr wrap="square" rtlCol="0">
+            <a:spAutoFit/>
+          </a:bodyPr>
+          <a:lstStyle/>
+          <a:p>
+            <a:r>
+              <a:rPr lang="pt-BR" dirty="0" smtClean="0"/>
+              <a:t>JSON</a:t>
+            </a:r>
+          </a:p>
+          <a:p>
+            <a:r>
+              <a:rPr lang="pt-BR" dirty="0" smtClean="0"/>
+              <a:t>FILE</a:t>
+            </a:r>
+            <a:endParaRPr lang="pt-BR" dirty="0"/>
+          </a:p>
+        </p:txBody>
+      </p:sp>
+      <p:sp>
+        <p:nvSpPr>
+          <p:cNvPr id="8" name="Seta para baixo 7"/>
           <p:cNvSpPr/>
           <p:nvPr/>
         </p:nvSpPr>
         <p:spPr>
-          <a:xfrm>
-            <a:off x="6717965" y="2333761"/>
-            <a:ext cx="3256459" cy="357081"/>
-          </a:xfrm>
-          <a:prstGeom prst="rect">
-            <a:avLst/>
-          </a:prstGeom>
-          <a:noFill/>
+          <a:xfrm rot="16200000" flipH="1">
+            <a:off x="1410283" y="2971432"/>
+            <a:ext cx="318864" cy="429837"/>
+          </a:xfrm>
+          <a:prstGeom prst="downArrow">
+            <a:avLst/>
+          </a:prstGeom>
         </p:spPr>
         <p:style>
           <a:lnRef idx="2">
@@ -5252,78 +5273,19 @@
       </p:sp>
       <p:sp>
         <p:nvSpPr>
-          <p:cNvPr id="8" name="CaixaDeTexto 7"/>
-          <p:cNvSpPr txBox="1"/>
-          <p:nvPr/>
-        </p:nvSpPr>
-        <p:spPr>
-          <a:xfrm>
-            <a:off x="3988009" y="1155987"/>
-            <a:ext cx="2017504" cy="369332"/>
-          </a:xfrm>
-          <a:prstGeom prst="rect">
-            <a:avLst/>
-          </a:prstGeom>
-          <a:noFill/>
-        </p:spPr>
-        <p:txBody>
-          <a:bodyPr wrap="square" rtlCol="0">
-            <a:spAutoFit/>
-          </a:bodyPr>
-          <a:lstStyle/>
-          <a:p>
-            <a:r>
-              <a:rPr lang="pt-BR" dirty="0" smtClean="0"/>
-              <a:t>HTML APPLICATION</a:t>
-            </a:r>
-            <a:endParaRPr lang="pt-BR" dirty="0"/>
-          </a:p>
-        </p:txBody>
-      </p:sp>
-      <p:sp>
-        <p:nvSpPr>
-          <p:cNvPr id="9" name="CaixaDeTexto 8"/>
-          <p:cNvSpPr txBox="1"/>
-          <p:nvPr/>
-        </p:nvSpPr>
-        <p:spPr>
-          <a:xfrm>
-            <a:off x="7763229" y="2322421"/>
-            <a:ext cx="1252331" cy="369332"/>
-          </a:xfrm>
-          <a:prstGeom prst="rect">
-            <a:avLst/>
-          </a:prstGeom>
-          <a:noFill/>
-        </p:spPr>
-        <p:txBody>
-          <a:bodyPr wrap="square" rtlCol="0">
-            <a:spAutoFit/>
-          </a:bodyPr>
-          <a:lstStyle/>
-          <a:p>
-            <a:r>
-              <a:rPr lang="pt-BR" dirty="0" smtClean="0"/>
-              <a:t>TKINTER UI</a:t>
-            </a:r>
-            <a:endParaRPr lang="pt-BR" dirty="0"/>
-          </a:p>
-        </p:txBody>
-      </p:sp>
-      <p:sp>
-        <p:nvSpPr>
-          <p:cNvPr id="28" name="Seta para baixo 27"/>
+          <p:cNvPr id="9" name="Retângulo 8"/>
           <p:cNvSpPr/>
           <p:nvPr/>
         </p:nvSpPr>
         <p:spPr>
-          <a:xfrm flipH="1">
-            <a:off x="4777424" y="1555859"/>
-            <a:ext cx="149278" cy="301372"/>
-          </a:xfrm>
-          <a:prstGeom prst="downArrow">
-            <a:avLst/>
-          </a:prstGeom>
+          <a:xfrm>
+            <a:off x="1995384" y="2886309"/>
+            <a:ext cx="548404" cy="567229"/>
+          </a:xfrm>
+          <a:prstGeom prst="rect">
+            <a:avLst/>
+          </a:prstGeom>
+          <a:noFill/>
         </p:spPr>
         <p:style>
           <a:lnRef idx="2">
@@ -5352,14 +5314,14 @@
       </p:sp>
       <p:sp>
         <p:nvSpPr>
-          <p:cNvPr id="29" name="CaixaDeTexto 28"/>
+          <p:cNvPr id="10" name="CaixaDeTexto 9"/>
           <p:cNvSpPr txBox="1"/>
           <p:nvPr/>
         </p:nvSpPr>
         <p:spPr>
           <a:xfrm>
-            <a:off x="3652632" y="1580691"/>
-            <a:ext cx="1252331" cy="276999"/>
+            <a:off x="2010533" y="2930318"/>
+            <a:ext cx="815195" cy="523220"/>
           </a:xfrm>
           <a:prstGeom prst="rect">
             <a:avLst/>
@@ -5373,58 +5335,33 @@
           <a:lstStyle/>
           <a:p>
             <a:r>
-              <a:rPr lang="pt-BR" sz="1200" dirty="0" smtClean="0"/>
-              <a:t>HTTP REQUESTS</a:t>
-            </a:r>
-            <a:endParaRPr lang="pt-BR" sz="1200" dirty="0"/>
-          </a:p>
-        </p:txBody>
-      </p:sp>
-      <p:sp>
-        <p:nvSpPr>
-          <p:cNvPr id="32" name="CaixaDeTexto 31"/>
-          <p:cNvSpPr txBox="1"/>
-          <p:nvPr/>
-        </p:nvSpPr>
-        <p:spPr>
-          <a:xfrm>
-            <a:off x="3501153" y="1997985"/>
-            <a:ext cx="1252331" cy="276999"/>
-          </a:xfrm>
-          <a:prstGeom prst="rect">
-            <a:avLst/>
-          </a:prstGeom>
-          <a:noFill/>
-        </p:spPr>
-        <p:txBody>
-          <a:bodyPr wrap="square" rtlCol="0">
-            <a:spAutoFit/>
-          </a:bodyPr>
-          <a:lstStyle/>
-          <a:p>
-            <a:r>
-              <a:rPr lang="pt-BR" sz="1200" dirty="0" smtClean="0"/>
-              <a:t>LST</a:t>
-            </a:r>
-            <a:endParaRPr lang="pt-BR" sz="1200" dirty="0"/>
-          </a:p>
-        </p:txBody>
-      </p:sp>
-      <p:sp>
-        <p:nvSpPr>
-          <p:cNvPr id="36" name="Retângulo 35"/>
+              <a:rPr lang="pt-BR" sz="1400" dirty="0" smtClean="0"/>
+              <a:t>READ</a:t>
+            </a:r>
+          </a:p>
+          <a:p>
+            <a:r>
+              <a:rPr lang="pt-BR" sz="1400" dirty="0" smtClean="0"/>
+              <a:t>FILE</a:t>
+            </a:r>
+            <a:endParaRPr lang="pt-BR" sz="1400" dirty="0"/>
+          </a:p>
+        </p:txBody>
+      </p:sp>
+      <p:sp>
+        <p:nvSpPr>
+          <p:cNvPr id="19" name="Seta para baixo 18"/>
           <p:cNvSpPr/>
           <p:nvPr/>
         </p:nvSpPr>
         <p:spPr>
-          <a:xfrm>
-            <a:off x="3543302" y="3084499"/>
-            <a:ext cx="6408418" cy="3247721"/>
-          </a:xfrm>
-          <a:prstGeom prst="rect">
-            <a:avLst/>
-          </a:prstGeom>
-          <a:noFill/>
+          <a:xfrm rot="16200000" flipH="1">
+            <a:off x="2613314" y="3086837"/>
+            <a:ext cx="158787" cy="210182"/>
+          </a:xfrm>
+          <a:prstGeom prst="downArrow">
+            <a:avLst/>
+          </a:prstGeom>
         </p:spPr>
         <p:style>
           <a:lnRef idx="2">
@@ -5453,14 +5390,14 @@
       </p:sp>
       <p:sp>
         <p:nvSpPr>
-          <p:cNvPr id="37" name="Retângulo 36"/>
+          <p:cNvPr id="21" name="Retângulo 20"/>
           <p:cNvSpPr/>
           <p:nvPr/>
         </p:nvSpPr>
         <p:spPr>
           <a:xfrm>
-            <a:off x="3461350" y="2334736"/>
-            <a:ext cx="3256615" cy="357081"/>
+            <a:off x="2848023" y="4714601"/>
+            <a:ext cx="8144144" cy="533081"/>
           </a:xfrm>
           <a:prstGeom prst="rect">
             <a:avLst/>
@@ -5494,14 +5431,14 @@
       </p:sp>
       <p:sp>
         <p:nvSpPr>
-          <p:cNvPr id="38" name="CaixaDeTexto 37"/>
+          <p:cNvPr id="22" name="CaixaDeTexto 21"/>
           <p:cNvSpPr txBox="1"/>
           <p:nvPr/>
         </p:nvSpPr>
         <p:spPr>
           <a:xfrm>
-            <a:off x="5014271" y="2034662"/>
-            <a:ext cx="1080557" cy="276999"/>
+            <a:off x="5480333" y="4773527"/>
+            <a:ext cx="3210481" cy="369332"/>
           </a:xfrm>
           <a:prstGeom prst="rect">
             <a:avLst/>
@@ -5515,87 +5452,28 @@
           <a:lstStyle/>
           <a:p>
             <a:r>
-              <a:rPr lang="pt-BR" sz="1200" dirty="0" smtClean="0"/>
-              <a:t>REST API</a:t>
-            </a:r>
-            <a:endParaRPr lang="pt-BR" sz="1200" dirty="0"/>
-          </a:p>
-        </p:txBody>
-      </p:sp>
-      <p:sp>
-        <p:nvSpPr>
-          <p:cNvPr id="41" name="CaixaDeTexto 40"/>
-          <p:cNvSpPr txBox="1"/>
-          <p:nvPr/>
-        </p:nvSpPr>
-        <p:spPr>
-          <a:xfrm>
-            <a:off x="5089657" y="1592512"/>
-            <a:ext cx="2089563" cy="276999"/>
-          </a:xfrm>
-          <a:prstGeom prst="rect">
-            <a:avLst/>
-          </a:prstGeom>
-          <a:noFill/>
-        </p:spPr>
-        <p:txBody>
-          <a:bodyPr wrap="square" rtlCol="0">
-            <a:spAutoFit/>
-          </a:bodyPr>
-          <a:lstStyle/>
-          <a:p>
-            <a:r>
-              <a:rPr lang="pt-BR" sz="1200" dirty="0" smtClean="0"/>
-              <a:t>HTML RESPONSE </a:t>
-            </a:r>
-          </a:p>
-        </p:txBody>
-      </p:sp>
-      <p:cxnSp>
-        <p:nvCxnSpPr>
-          <p:cNvPr id="43" name="Conector reto 42"/>
-          <p:cNvCxnSpPr/>
-          <p:nvPr/>
-        </p:nvCxnSpPr>
-        <p:spPr>
-          <a:xfrm flipV="1">
-            <a:off x="4963868" y="2136484"/>
-            <a:ext cx="0" cy="213836"/>
-          </a:xfrm>
-          <a:prstGeom prst="line">
-            <a:avLst/>
-          </a:prstGeom>
-          <a:ln w="38100"/>
-        </p:spPr>
-        <p:style>
-          <a:lnRef idx="1">
-            <a:schemeClr val="accent1"/>
-          </a:lnRef>
-          <a:fillRef idx="0">
-            <a:schemeClr val="accent1"/>
-          </a:fillRef>
-          <a:effectRef idx="0">
-            <a:schemeClr val="accent1"/>
-          </a:effectRef>
-          <a:fontRef idx="minor">
-            <a:schemeClr val="tx1"/>
-          </a:fontRef>
-        </p:style>
-      </p:cxnSp>
-      <p:sp>
-        <p:nvSpPr>
-          <p:cNvPr id="44" name="Elipse 43"/>
+              <a:rPr lang="pt-BR" dirty="0" smtClean="0"/>
+              <a:t>COMMAND LINE HELPER CLASS</a:t>
+            </a:r>
+            <a:endParaRPr lang="pt-BR" dirty="0"/>
+          </a:p>
+        </p:txBody>
+      </p:sp>
+      <p:sp>
+        <p:nvSpPr>
+          <p:cNvPr id="32" name="Retângulo 31"/>
           <p:cNvSpPr/>
           <p:nvPr/>
         </p:nvSpPr>
         <p:spPr>
           <a:xfrm>
-            <a:off x="4826128" y="1869999"/>
-            <a:ext cx="275479" cy="275479"/>
-          </a:xfrm>
-          <a:prstGeom prst="ellipse">
-            <a:avLst/>
-          </a:prstGeom>
+            <a:off x="2848023" y="2200508"/>
+            <a:ext cx="1344029" cy="2131667"/>
+          </a:xfrm>
+          <a:prstGeom prst="rect">
+            <a:avLst/>
+          </a:prstGeom>
+          <a:noFill/>
         </p:spPr>
         <p:style>
           <a:lnRef idx="2">
@@ -5624,18 +5502,55 @@
       </p:sp>
       <p:sp>
         <p:nvSpPr>
-          <p:cNvPr id="45" name="Seta para baixo 44"/>
+          <p:cNvPr id="33" name="CaixaDeTexto 32"/>
+          <p:cNvSpPr txBox="1"/>
+          <p:nvPr/>
+        </p:nvSpPr>
+        <p:spPr>
+          <a:xfrm>
+            <a:off x="2848024" y="2156500"/>
+            <a:ext cx="1671688" cy="523220"/>
+          </a:xfrm>
+          <a:prstGeom prst="rect">
+            <a:avLst/>
+          </a:prstGeom>
+          <a:noFill/>
+        </p:spPr>
+        <p:txBody>
+          <a:bodyPr wrap="square" rtlCol="0">
+            <a:spAutoFit/>
+          </a:bodyPr>
+          <a:lstStyle/>
+          <a:p>
+            <a:r>
+              <a:rPr lang="pt-BR" sz="1400" dirty="0" smtClean="0"/>
+              <a:t>CONTROLLER </a:t>
+            </a:r>
+          </a:p>
+          <a:p>
+            <a:r>
+              <a:rPr lang="pt-BR" sz="1400" dirty="0" smtClean="0"/>
+              <a:t>CLASS</a:t>
+            </a:r>
+            <a:endParaRPr lang="pt-BR" sz="1400" dirty="0"/>
+          </a:p>
+        </p:txBody>
+      </p:sp>
+      <p:sp>
+        <p:nvSpPr>
+          <p:cNvPr id="34" name="Retângulo 33"/>
           <p:cNvSpPr/>
           <p:nvPr/>
         </p:nvSpPr>
         <p:spPr>
-          <a:xfrm rot="10800000" flipH="1">
-            <a:off x="4960066" y="1552643"/>
-            <a:ext cx="149278" cy="301372"/>
-          </a:xfrm>
-          <a:prstGeom prst="downArrow">
-            <a:avLst/>
-          </a:prstGeom>
+          <a:xfrm>
+            <a:off x="2946536" y="2897296"/>
+            <a:ext cx="1165507" cy="449852"/>
+          </a:xfrm>
+          <a:prstGeom prst="rect">
+            <a:avLst/>
+          </a:prstGeom>
+          <a:noFill/>
         </p:spPr>
         <p:style>
           <a:lnRef idx="2">
@@ -5664,14 +5579,14 @@
       </p:sp>
       <p:sp>
         <p:nvSpPr>
-          <p:cNvPr id="46" name="CaixaDeTexto 45"/>
+          <p:cNvPr id="35" name="CaixaDeTexto 34"/>
           <p:cNvSpPr txBox="1"/>
           <p:nvPr/>
         </p:nvSpPr>
         <p:spPr>
           <a:xfrm>
-            <a:off x="3576582" y="2336469"/>
-            <a:ext cx="3122331" cy="369332"/>
+            <a:off x="2961686" y="2941305"/>
+            <a:ext cx="1444490" cy="307777"/>
           </a:xfrm>
           <a:prstGeom prst="rect">
             <a:avLst/>
@@ -5685,28 +5600,27 @@
           <a:lstStyle/>
           <a:p>
             <a:r>
-              <a:rPr lang="pt-BR" dirty="0" smtClean="0"/>
-              <a:t>HTML APPLICATION INTERFACE</a:t>
-            </a:r>
-            <a:endParaRPr lang="pt-BR" dirty="0"/>
-          </a:p>
-        </p:txBody>
-      </p:sp>
-      <p:sp>
-        <p:nvSpPr>
-          <p:cNvPr id="47" name="Retângulo 46"/>
+              <a:rPr lang="pt-BR" sz="1400" dirty="0" smtClean="0"/>
+              <a:t>INSTANTIATE</a:t>
+            </a:r>
+            <a:endParaRPr lang="pt-BR" sz="1400" dirty="0"/>
+          </a:p>
+        </p:txBody>
+      </p:sp>
+      <p:sp>
+        <p:nvSpPr>
+          <p:cNvPr id="39" name="Seta para baixo 38"/>
           <p:cNvSpPr/>
           <p:nvPr/>
         </p:nvSpPr>
         <p:spPr>
-          <a:xfrm>
-            <a:off x="3996756" y="3155534"/>
-            <a:ext cx="5605818" cy="279352"/>
-          </a:xfrm>
-          <a:prstGeom prst="rect">
-            <a:avLst/>
-          </a:prstGeom>
-          <a:noFill/>
+          <a:xfrm flipH="1">
+            <a:off x="3449895" y="4410760"/>
+            <a:ext cx="158787" cy="210182"/>
+          </a:xfrm>
+          <a:prstGeom prst="downArrow">
+            <a:avLst/>
+          </a:prstGeom>
         </p:spPr>
         <p:style>
           <a:lnRef idx="2">
@@ -5735,52 +5649,19 @@
       </p:sp>
       <p:sp>
         <p:nvSpPr>
-          <p:cNvPr id="49" name="CaixaDeTexto 48"/>
-          <p:cNvSpPr txBox="1"/>
-          <p:nvPr/>
-        </p:nvSpPr>
-        <p:spPr>
-          <a:xfrm>
-            <a:off x="5614745" y="3120539"/>
-            <a:ext cx="2915877" cy="369332"/>
-          </a:xfrm>
-          <a:prstGeom prst="rect">
-            <a:avLst/>
-          </a:prstGeom>
-          <a:noFill/>
-        </p:spPr>
-        <p:txBody>
-          <a:bodyPr wrap="square" rtlCol="0">
-            <a:spAutoFit/>
-          </a:bodyPr>
-          <a:lstStyle/>
-          <a:p>
-            <a:r>
-              <a:rPr lang="pt-BR" dirty="0" smtClean="0"/>
-              <a:t>SYSTEM RESPONSE </a:t>
-            </a:r>
-            <a:r>
-              <a:rPr lang="pt-BR" dirty="0" smtClean="0"/>
-              <a:t>CLASS</a:t>
-            </a:r>
-            <a:endParaRPr lang="pt-BR" dirty="0"/>
-          </a:p>
-        </p:txBody>
-      </p:sp>
-      <p:sp>
-        <p:nvSpPr>
-          <p:cNvPr id="50" name="Seta para baixo 49"/>
+          <p:cNvPr id="40" name="Retângulo 39"/>
           <p:cNvSpPr/>
           <p:nvPr/>
         </p:nvSpPr>
         <p:spPr>
-          <a:xfrm flipH="1">
-            <a:off x="4893454" y="2741365"/>
-            <a:ext cx="149278" cy="301372"/>
-          </a:xfrm>
-          <a:prstGeom prst="downArrow">
-            <a:avLst/>
-          </a:prstGeom>
+          <a:xfrm>
+            <a:off x="4486185" y="2205488"/>
+            <a:ext cx="1388041" cy="2131667"/>
+          </a:xfrm>
+          <a:prstGeom prst="rect">
+            <a:avLst/>
+          </a:prstGeom>
+          <a:noFill/>
         </p:spPr>
         <p:style>
           <a:lnRef idx="2">
@@ -5803,24 +5684,55 @@
           <a:lstStyle/>
           <a:p>
             <a:pPr algn="ctr"/>
-            <a:endParaRPr lang="pt-BR"/>
-          </a:p>
-        </p:txBody>
-      </p:sp>
-      <p:sp>
-        <p:nvSpPr>
-          <p:cNvPr id="51" name="Seta para baixo 50"/>
+            <a:endParaRPr lang="pt-BR" dirty="0"/>
+          </a:p>
+        </p:txBody>
+      </p:sp>
+      <p:sp>
+        <p:nvSpPr>
+          <p:cNvPr id="41" name="CaixaDeTexto 40"/>
+          <p:cNvSpPr txBox="1"/>
+          <p:nvPr/>
+        </p:nvSpPr>
+        <p:spPr>
+          <a:xfrm>
+            <a:off x="4486186" y="2161480"/>
+            <a:ext cx="1671688" cy="307777"/>
+          </a:xfrm>
+          <a:prstGeom prst="rect">
+            <a:avLst/>
+          </a:prstGeom>
+          <a:noFill/>
+        </p:spPr>
+        <p:txBody>
+          <a:bodyPr wrap="square" rtlCol="0">
+            <a:spAutoFit/>
+          </a:bodyPr>
+          <a:lstStyle/>
+          <a:p>
+            <a:r>
+              <a:rPr lang="pt-BR" sz="1400" dirty="0" smtClean="0"/>
+              <a:t>SWITCH CLASS</a:t>
+            </a:r>
+            <a:endParaRPr lang="pt-BR" sz="1400" dirty="0"/>
+          </a:p>
+        </p:txBody>
+      </p:sp>
+      <p:sp>
+        <p:nvSpPr>
+          <p:cNvPr id="42" name="Retângulo 41"/>
           <p:cNvSpPr/>
           <p:nvPr/>
         </p:nvSpPr>
         <p:spPr>
-          <a:xfrm rot="10800000" flipH="1">
-            <a:off x="5076096" y="2738149"/>
-            <a:ext cx="149278" cy="301372"/>
-          </a:xfrm>
-          <a:prstGeom prst="downArrow">
-            <a:avLst/>
-          </a:prstGeom>
+          <a:xfrm>
+            <a:off x="4584698" y="2597476"/>
+            <a:ext cx="1165507" cy="449852"/>
+          </a:xfrm>
+          <a:prstGeom prst="rect">
+            <a:avLst/>
+          </a:prstGeom>
+          <a:noFill/>
         </p:spPr>
         <p:style>
           <a:lnRef idx="2">
@@ -5849,18 +5761,45 @@
       </p:sp>
       <p:sp>
         <p:nvSpPr>
-          <p:cNvPr id="52" name="Seta para baixo 51"/>
+          <p:cNvPr id="43" name="CaixaDeTexto 42"/>
+          <p:cNvSpPr txBox="1"/>
+          <p:nvPr/>
+        </p:nvSpPr>
+        <p:spPr>
+          <a:xfrm>
+            <a:off x="4599848" y="2641485"/>
+            <a:ext cx="1230366" cy="369332"/>
+          </a:xfrm>
+          <a:prstGeom prst="rect">
+            <a:avLst/>
+          </a:prstGeom>
+          <a:noFill/>
+        </p:spPr>
+        <p:txBody>
+          <a:bodyPr wrap="square" rtlCol="0">
+            <a:spAutoFit/>
+          </a:bodyPr>
+          <a:lstStyle/>
+          <a:p>
+            <a:endParaRPr lang="pt-BR" dirty="0"/>
+          </a:p>
+        </p:txBody>
+      </p:sp>
+      <p:sp>
+        <p:nvSpPr>
+          <p:cNvPr id="44" name="Retângulo 43"/>
           <p:cNvSpPr/>
           <p:nvPr/>
         </p:nvSpPr>
         <p:spPr>
-          <a:xfrm flipH="1">
-            <a:off x="8174674" y="2739048"/>
-            <a:ext cx="149278" cy="301372"/>
-          </a:xfrm>
-          <a:prstGeom prst="downArrow">
-            <a:avLst/>
-          </a:prstGeom>
+          <a:xfrm>
+            <a:off x="4594419" y="3313663"/>
+            <a:ext cx="1165507" cy="449852"/>
+          </a:xfrm>
+          <a:prstGeom prst="rect">
+            <a:avLst/>
+          </a:prstGeom>
+          <a:noFill/>
         </p:spPr>
         <p:style>
           <a:lnRef idx="2">
@@ -5889,14 +5828,14 @@
       </p:sp>
       <p:sp>
         <p:nvSpPr>
-          <p:cNvPr id="53" name="Seta para baixo 52"/>
+          <p:cNvPr id="46" name="Seta para baixo 45"/>
           <p:cNvSpPr/>
           <p:nvPr/>
         </p:nvSpPr>
         <p:spPr>
-          <a:xfrm rot="10800000" flipH="1">
-            <a:off x="8357316" y="2735832"/>
-            <a:ext cx="149278" cy="301372"/>
+          <a:xfrm flipH="1">
+            <a:off x="5086592" y="3075404"/>
+            <a:ext cx="158787" cy="210182"/>
           </a:xfrm>
           <a:prstGeom prst="downArrow">
             <a:avLst/>
@@ -5929,19 +5868,18 @@
       </p:sp>
       <p:sp>
         <p:nvSpPr>
-          <p:cNvPr id="54" name="Retângulo 53"/>
+          <p:cNvPr id="47" name="Seta para baixo 46"/>
           <p:cNvSpPr/>
           <p:nvPr/>
         </p:nvSpPr>
         <p:spPr>
-          <a:xfrm>
-            <a:off x="3996755" y="3813585"/>
-            <a:ext cx="2743831" cy="1192044"/>
-          </a:xfrm>
-          <a:prstGeom prst="rect">
-            <a:avLst/>
-          </a:prstGeom>
-          <a:noFill/>
+          <a:xfrm flipH="1">
+            <a:off x="5105157" y="4415657"/>
+            <a:ext cx="158787" cy="210182"/>
+          </a:xfrm>
+          <a:prstGeom prst="downArrow">
+            <a:avLst/>
+          </a:prstGeom>
         </p:spPr>
         <p:style>
           <a:lnRef idx="2">
@@ -5970,48 +5908,19 @@
       </p:sp>
       <p:sp>
         <p:nvSpPr>
-          <p:cNvPr id="55" name="CaixaDeTexto 54"/>
-          <p:cNvSpPr txBox="1"/>
-          <p:nvPr/>
-        </p:nvSpPr>
-        <p:spPr>
-          <a:xfrm>
-            <a:off x="4473097" y="4208962"/>
-            <a:ext cx="1813382" cy="369332"/>
-          </a:xfrm>
-          <a:prstGeom prst="rect">
-            <a:avLst/>
-          </a:prstGeom>
-          <a:noFill/>
-        </p:spPr>
-        <p:txBody>
-          <a:bodyPr wrap="square" rtlCol="0">
-            <a:spAutoFit/>
-          </a:bodyPr>
-          <a:lstStyle/>
-          <a:p>
-            <a:r>
-              <a:rPr lang="pt-BR" dirty="0" smtClean="0"/>
-              <a:t>EXECUTOR CLASS</a:t>
-            </a:r>
-            <a:endParaRPr lang="pt-BR" dirty="0"/>
-          </a:p>
-        </p:txBody>
-      </p:sp>
-      <p:sp>
-        <p:nvSpPr>
-          <p:cNvPr id="61" name="Seta para baixo 60"/>
+          <p:cNvPr id="48" name="Retângulo 47"/>
           <p:cNvSpPr/>
           <p:nvPr/>
         </p:nvSpPr>
         <p:spPr>
-          <a:xfrm rot="10800000" flipH="1">
-            <a:off x="5260184" y="3464087"/>
-            <a:ext cx="149278" cy="301372"/>
-          </a:xfrm>
-          <a:prstGeom prst="downArrow">
-            <a:avLst/>
-          </a:prstGeom>
+          <a:xfrm>
+            <a:off x="6192939" y="2205488"/>
+            <a:ext cx="3042267" cy="2131667"/>
+          </a:xfrm>
+          <a:prstGeom prst="rect">
+            <a:avLst/>
+          </a:prstGeom>
+          <a:noFill/>
         </p:spPr>
         <p:style>
           <a:lnRef idx="2">
@@ -6040,14 +5949,44 @@
       </p:sp>
       <p:sp>
         <p:nvSpPr>
-          <p:cNvPr id="62" name="Retângulo 61"/>
+          <p:cNvPr id="49" name="CaixaDeTexto 48"/>
+          <p:cNvSpPr txBox="1"/>
+          <p:nvPr/>
+        </p:nvSpPr>
+        <p:spPr>
+          <a:xfrm>
+            <a:off x="6192938" y="2200508"/>
+            <a:ext cx="1671688" cy="307777"/>
+          </a:xfrm>
+          <a:prstGeom prst="rect">
+            <a:avLst/>
+          </a:prstGeom>
+          <a:noFill/>
+        </p:spPr>
+        <p:txBody>
+          <a:bodyPr wrap="square" rtlCol="0">
+            <a:spAutoFit/>
+          </a:bodyPr>
+          <a:lstStyle/>
+          <a:p>
+            <a:r>
+              <a:rPr lang="pt-BR" sz="1400" dirty="0" smtClean="0"/>
+              <a:t>HOST CLASS</a:t>
+            </a:r>
+            <a:endParaRPr lang="pt-BR" sz="1400" dirty="0"/>
+          </a:p>
+        </p:txBody>
+      </p:sp>
+      <p:sp>
+        <p:nvSpPr>
+          <p:cNvPr id="52" name="Retângulo 51"/>
           <p:cNvSpPr/>
           <p:nvPr/>
         </p:nvSpPr>
         <p:spPr>
           <a:xfrm>
-            <a:off x="3670177" y="5448300"/>
-            <a:ext cx="952684" cy="734350"/>
+            <a:off x="8032961" y="2529752"/>
+            <a:ext cx="1087945" cy="1724388"/>
           </a:xfrm>
           <a:prstGeom prst="rect">
             <a:avLst/>
@@ -6075,41 +6014,9 @@
           <a:lstStyle/>
           <a:p>
             <a:pPr algn="ctr"/>
-            <a:endParaRPr lang="pt-BR"/>
-          </a:p>
-        </p:txBody>
-      </p:sp>
-      <p:sp>
-        <p:nvSpPr>
-          <p:cNvPr id="63" name="CaixaDeTexto 62"/>
-          <p:cNvSpPr txBox="1"/>
-          <p:nvPr/>
-        </p:nvSpPr>
-        <p:spPr>
-          <a:xfrm>
-            <a:off x="3765255" y="5492308"/>
-            <a:ext cx="906691" cy="646331"/>
-          </a:xfrm>
-          <a:prstGeom prst="rect">
-            <a:avLst/>
-          </a:prstGeom>
-          <a:noFill/>
-        </p:spPr>
-        <p:txBody>
-          <a:bodyPr wrap="square" rtlCol="0">
-            <a:spAutoFit/>
-          </a:bodyPr>
-          <a:lstStyle/>
-          <a:p>
             <a:r>
               <a:rPr lang="pt-BR" dirty="0" smtClean="0"/>
-              <a:t>HOST </a:t>
-            </a:r>
-          </a:p>
-          <a:p>
-            <a:r>
-              <a:rPr lang="pt-BR" dirty="0" smtClean="0"/>
-              <a:t>CLASS</a:t>
+              <a:t>V</a:t>
             </a:r>
             <a:endParaRPr lang="pt-BR" dirty="0"/>
           </a:p>
@@ -6117,19 +6024,18 @@
       </p:sp>
       <p:sp>
         <p:nvSpPr>
-          <p:cNvPr id="64" name="Retângulo 63"/>
+          <p:cNvPr id="55" name="Seta para baixo 54"/>
           <p:cNvSpPr/>
           <p:nvPr/>
         </p:nvSpPr>
         <p:spPr>
-          <a:xfrm>
-            <a:off x="4690027" y="5448300"/>
-            <a:ext cx="902018" cy="741342"/>
-          </a:xfrm>
-          <a:prstGeom prst="rect">
-            <a:avLst/>
-          </a:prstGeom>
-          <a:noFill/>
+          <a:xfrm flipH="1">
+            <a:off x="7655120" y="4438075"/>
+            <a:ext cx="158787" cy="210182"/>
+          </a:xfrm>
+          <a:prstGeom prst="downArrow">
+            <a:avLst/>
+          </a:prstGeom>
         </p:spPr>
         <p:style>
           <a:lnRef idx="2">
@@ -6158,55 +6064,18 @@
       </p:sp>
       <p:sp>
         <p:nvSpPr>
-          <p:cNvPr id="65" name="CaixaDeTexto 64"/>
-          <p:cNvSpPr txBox="1"/>
-          <p:nvPr/>
-        </p:nvSpPr>
-        <p:spPr>
-          <a:xfrm>
-            <a:off x="4696120" y="5492308"/>
-            <a:ext cx="1009500" cy="646331"/>
-          </a:xfrm>
-          <a:prstGeom prst="rect">
-            <a:avLst/>
-          </a:prstGeom>
-          <a:noFill/>
-        </p:spPr>
-        <p:txBody>
-          <a:bodyPr wrap="square" rtlCol="0">
-            <a:spAutoFit/>
-          </a:bodyPr>
-          <a:lstStyle/>
-          <a:p>
-            <a:r>
-              <a:rPr lang="pt-BR" dirty="0" smtClean="0"/>
-              <a:t>SWITCH</a:t>
-            </a:r>
-          </a:p>
-          <a:p>
-            <a:r>
-              <a:rPr lang="pt-BR" dirty="0" smtClean="0"/>
-              <a:t>CLASS</a:t>
-            </a:r>
-            <a:endParaRPr lang="pt-BR" dirty="0"/>
-          </a:p>
-        </p:txBody>
-      </p:sp>
-      <p:sp>
-        <p:nvSpPr>
-          <p:cNvPr id="66" name="Retângulo 65"/>
+          <p:cNvPr id="56" name="Seta para baixo 55"/>
           <p:cNvSpPr/>
           <p:nvPr/>
         </p:nvSpPr>
         <p:spPr>
-          <a:xfrm>
-            <a:off x="5650702" y="5448300"/>
-            <a:ext cx="1322704" cy="741342"/>
-          </a:xfrm>
-          <a:prstGeom prst="rect">
-            <a:avLst/>
-          </a:prstGeom>
-          <a:noFill/>
+          <a:xfrm rot="16200000" flipH="1">
+            <a:off x="4259725" y="3069496"/>
+            <a:ext cx="158787" cy="210182"/>
+          </a:xfrm>
+          <a:prstGeom prst="downArrow">
+            <a:avLst/>
+          </a:prstGeom>
         </p:spPr>
         <p:style>
           <a:lnRef idx="2">
@@ -6235,55 +6104,18 @@
       </p:sp>
       <p:sp>
         <p:nvSpPr>
-          <p:cNvPr id="67" name="CaixaDeTexto 66"/>
-          <p:cNvSpPr txBox="1"/>
-          <p:nvPr/>
-        </p:nvSpPr>
-        <p:spPr>
-          <a:xfrm>
-            <a:off x="5614745" y="5448300"/>
-            <a:ext cx="1415852" cy="646331"/>
-          </a:xfrm>
-          <a:prstGeom prst="rect">
-            <a:avLst/>
-          </a:prstGeom>
-          <a:noFill/>
-        </p:spPr>
-        <p:txBody>
-          <a:bodyPr wrap="square" rtlCol="0">
-            <a:spAutoFit/>
-          </a:bodyPr>
-          <a:lstStyle/>
-          <a:p>
-            <a:r>
-              <a:rPr lang="pt-BR" dirty="0" smtClean="0"/>
-              <a:t>CONTROLLER</a:t>
-            </a:r>
-          </a:p>
-          <a:p>
-            <a:r>
-              <a:rPr lang="pt-BR" dirty="0" smtClean="0"/>
-              <a:t>CLASS</a:t>
-            </a:r>
-            <a:endParaRPr lang="pt-BR" dirty="0"/>
-          </a:p>
-        </p:txBody>
-      </p:sp>
-      <p:sp>
-        <p:nvSpPr>
-          <p:cNvPr id="68" name="Retângulo 67"/>
+          <p:cNvPr id="58" name="Seta para baixo 57"/>
           <p:cNvSpPr/>
           <p:nvPr/>
         </p:nvSpPr>
         <p:spPr>
-          <a:xfrm>
-            <a:off x="7011934" y="5448026"/>
-            <a:ext cx="751296" cy="741342"/>
-          </a:xfrm>
-          <a:prstGeom prst="rect">
-            <a:avLst/>
-          </a:prstGeom>
-          <a:noFill/>
+          <a:xfrm rot="16200000" flipH="1">
+            <a:off x="5954303" y="3064598"/>
+            <a:ext cx="158787" cy="210182"/>
+          </a:xfrm>
+          <a:prstGeom prst="downArrow">
+            <a:avLst/>
+          </a:prstGeom>
         </p:spPr>
         <p:style>
           <a:lnRef idx="2">
@@ -6306,20 +6138,20 @@
           <a:lstStyle/>
           <a:p>
             <a:pPr algn="ctr"/>
-            <a:endParaRPr lang="pt-BR"/>
-          </a:p>
-        </p:txBody>
-      </p:sp>
-      <p:sp>
-        <p:nvSpPr>
-          <p:cNvPr id="69" name="CaixaDeTexto 68"/>
+            <a:endParaRPr lang="pt-BR" dirty="0"/>
+          </a:p>
+        </p:txBody>
+      </p:sp>
+      <p:sp>
+        <p:nvSpPr>
+          <p:cNvPr id="60" name="CaixaDeTexto 59"/>
           <p:cNvSpPr txBox="1"/>
           <p:nvPr/>
         </p:nvSpPr>
         <p:spPr>
           <a:xfrm>
-            <a:off x="7026397" y="5536290"/>
-            <a:ext cx="811555" cy="646331"/>
+            <a:off x="4600282" y="2672449"/>
+            <a:ext cx="1444490" cy="307777"/>
           </a:xfrm>
           <a:prstGeom prst="rect">
             <a:avLst/>
@@ -6333,29 +6165,53 @@
           <a:lstStyle/>
           <a:p>
             <a:r>
-              <a:rPr lang="pt-BR" dirty="0" smtClean="0"/>
-              <a:t>LINK</a:t>
-            </a:r>
-          </a:p>
-          <a:p>
-            <a:r>
-              <a:rPr lang="pt-BR" dirty="0" smtClean="0"/>
-              <a:t>CLASS</a:t>
-            </a:r>
-            <a:endParaRPr lang="pt-BR" dirty="0"/>
-          </a:p>
-        </p:txBody>
-      </p:sp>
-      <p:sp>
-        <p:nvSpPr>
-          <p:cNvPr id="70" name="Retângulo 69"/>
+              <a:rPr lang="pt-BR" sz="1400" dirty="0" smtClean="0"/>
+              <a:t>INSTANTIATE</a:t>
+            </a:r>
+            <a:endParaRPr lang="pt-BR" sz="1400" dirty="0"/>
+          </a:p>
+        </p:txBody>
+      </p:sp>
+      <p:sp>
+        <p:nvSpPr>
+          <p:cNvPr id="61" name="CaixaDeTexto 60"/>
+          <p:cNvSpPr txBox="1"/>
+          <p:nvPr/>
+        </p:nvSpPr>
+        <p:spPr>
+          <a:xfrm>
+            <a:off x="4651958" y="3397312"/>
+            <a:ext cx="1444490" cy="307777"/>
+          </a:xfrm>
+          <a:prstGeom prst="rect">
+            <a:avLst/>
+          </a:prstGeom>
+          <a:noFill/>
+        </p:spPr>
+        <p:txBody>
+          <a:bodyPr wrap="square" rtlCol="0">
+            <a:spAutoFit/>
+          </a:bodyPr>
+          <a:lstStyle/>
+          <a:p>
+            <a:r>
+              <a:rPr lang="pt-BR" sz="1400" dirty="0" smtClean="0"/>
+              <a:t>CONFIGURE</a:t>
+            </a:r>
+            <a:endParaRPr lang="pt-BR" sz="1400" dirty="0"/>
+          </a:p>
+        </p:txBody>
+      </p:sp>
+      <p:sp>
+        <p:nvSpPr>
+          <p:cNvPr id="71" name="Retângulo 70"/>
           <p:cNvSpPr/>
           <p:nvPr/>
         </p:nvSpPr>
         <p:spPr>
           <a:xfrm>
-            <a:off x="2158564" y="667515"/>
-            <a:ext cx="9275412" cy="6019532"/>
+            <a:off x="6326380" y="2529751"/>
+            <a:ext cx="1388041" cy="1724389"/>
           </a:xfrm>
           <a:prstGeom prst="rect">
             <a:avLst/>
@@ -6389,18 +6245,49 @@
       </p:sp>
       <p:sp>
         <p:nvSpPr>
-          <p:cNvPr id="82" name="Seta dobrada 81"/>
+          <p:cNvPr id="72" name="CaixaDeTexto 71"/>
+          <p:cNvSpPr txBox="1"/>
+          <p:nvPr/>
+        </p:nvSpPr>
+        <p:spPr>
+          <a:xfrm>
+            <a:off x="6326381" y="2485743"/>
+            <a:ext cx="1671688" cy="307777"/>
+          </a:xfrm>
+          <a:prstGeom prst="rect">
+            <a:avLst/>
+          </a:prstGeom>
+          <a:noFill/>
+        </p:spPr>
+        <p:txBody>
+          <a:bodyPr wrap="square" rtlCol="0">
+            <a:spAutoFit/>
+          </a:bodyPr>
+          <a:lstStyle/>
+          <a:p>
+            <a:r>
+              <a:rPr lang="pt-BR" sz="1400" dirty="0" smtClean="0"/>
+              <a:t>COMPOSE CLASS</a:t>
+            </a:r>
+            <a:endParaRPr lang="pt-BR" sz="1400" dirty="0"/>
+          </a:p>
+        </p:txBody>
+      </p:sp>
+      <p:sp>
+        <p:nvSpPr>
+          <p:cNvPr id="73" name="Retângulo 72"/>
           <p:cNvSpPr/>
           <p:nvPr/>
         </p:nvSpPr>
         <p:spPr>
-          <a:xfrm rot="5400000">
-            <a:off x="8603616" y="4559271"/>
-            <a:ext cx="248784" cy="1463346"/>
-          </a:xfrm>
-          <a:prstGeom prst="bentArrow">
-            <a:avLst/>
-          </a:prstGeom>
+          <a:xfrm>
+            <a:off x="6424893" y="2921739"/>
+            <a:ext cx="1165507" cy="449852"/>
+          </a:xfrm>
+          <a:prstGeom prst="rect">
+            <a:avLst/>
+          </a:prstGeom>
+          <a:noFill/>
         </p:spPr>
         <p:style>
           <a:lnRef idx="2">
@@ -6423,24 +6310,20 @@
           <a:lstStyle/>
           <a:p>
             <a:pPr algn="ctr"/>
-            <a:endParaRPr lang="pt-BR" dirty="0">
-              <a:solidFill>
-                <a:schemeClr val="tx1"/>
-              </a:solidFill>
-            </a:endParaRPr>
-          </a:p>
-        </p:txBody>
-      </p:sp>
-      <p:sp>
-        <p:nvSpPr>
-          <p:cNvPr id="71" name="CaixaDeTexto 70"/>
+            <a:endParaRPr lang="pt-BR"/>
+          </a:p>
+        </p:txBody>
+      </p:sp>
+      <p:sp>
+        <p:nvSpPr>
+          <p:cNvPr id="74" name="CaixaDeTexto 73"/>
           <p:cNvSpPr txBox="1"/>
           <p:nvPr/>
         </p:nvSpPr>
         <p:spPr>
           <a:xfrm>
-            <a:off x="2257054" y="733732"/>
-            <a:ext cx="2017504" cy="369332"/>
+            <a:off x="6440043" y="2965748"/>
+            <a:ext cx="1230366" cy="369332"/>
           </a:xfrm>
           <a:prstGeom prst="rect">
             <a:avLst/>
@@ -6455,7 +6338,7 @@
           <a:p>
             <a:r>
               <a:rPr lang="pt-BR" dirty="0" smtClean="0"/>
-              <a:t>LOCALHOST</a:t>
+              <a:t>GENERATE</a:t>
             </a:r>
             <a:endParaRPr lang="pt-BR" dirty="0"/>
           </a:p>
@@ -6463,14 +6346,14 @@
       </p:sp>
       <p:sp>
         <p:nvSpPr>
-          <p:cNvPr id="76" name="Retângulo 75"/>
+          <p:cNvPr id="75" name="Retângulo 74"/>
           <p:cNvSpPr/>
           <p:nvPr/>
         </p:nvSpPr>
         <p:spPr>
           <a:xfrm>
-            <a:off x="7787291" y="5448300"/>
-            <a:ext cx="1067680" cy="741342"/>
+            <a:off x="6434614" y="3637926"/>
+            <a:ext cx="1165507" cy="449852"/>
           </a:xfrm>
           <a:prstGeom prst="rect">
             <a:avLst/>
@@ -6504,14 +6387,14 @@
       </p:sp>
       <p:sp>
         <p:nvSpPr>
-          <p:cNvPr id="77" name="CaixaDeTexto 76"/>
+          <p:cNvPr id="76" name="CaixaDeTexto 75"/>
           <p:cNvSpPr txBox="1"/>
           <p:nvPr/>
         </p:nvSpPr>
         <p:spPr>
           <a:xfrm>
-            <a:off x="7748765" y="5511314"/>
-            <a:ext cx="1148853" cy="646331"/>
+            <a:off x="6449764" y="3681935"/>
+            <a:ext cx="1230366" cy="369332"/>
           </a:xfrm>
           <a:prstGeom prst="rect">
             <a:avLst/>
@@ -6526,13 +6409,7 @@
           <a:p>
             <a:r>
               <a:rPr lang="pt-BR" dirty="0" smtClean="0"/>
-              <a:t>COMPOSE</a:t>
-            </a:r>
-          </a:p>
-          <a:p>
-            <a:r>
-              <a:rPr lang="pt-BR" dirty="0" smtClean="0"/>
-              <a:t>CLASS</a:t>
+              <a:t>CREATE</a:t>
             </a:r>
             <a:endParaRPr lang="pt-BR" dirty="0"/>
           </a:p>
@@ -6540,19 +6417,18 @@
       </p:sp>
       <p:sp>
         <p:nvSpPr>
-          <p:cNvPr id="78" name="Retângulo 77"/>
+          <p:cNvPr id="77" name="Seta para baixo 76"/>
           <p:cNvSpPr/>
           <p:nvPr/>
         </p:nvSpPr>
         <p:spPr>
-          <a:xfrm>
-            <a:off x="6858743" y="3810013"/>
-            <a:ext cx="2743831" cy="1192044"/>
-          </a:xfrm>
-          <a:prstGeom prst="rect">
-            <a:avLst/>
-          </a:prstGeom>
-          <a:noFill/>
+          <a:xfrm flipH="1">
+            <a:off x="6926787" y="3399667"/>
+            <a:ext cx="158787" cy="210182"/>
+          </a:xfrm>
+          <a:prstGeom prst="downArrow">
+            <a:avLst/>
+          </a:prstGeom>
         </p:spPr>
         <p:style>
           <a:lnRef idx="2">
@@ -6581,14 +6457,14 @@
       </p:sp>
       <p:sp>
         <p:nvSpPr>
-          <p:cNvPr id="79" name="CaixaDeTexto 78"/>
+          <p:cNvPr id="85" name="CaixaDeTexto 84"/>
           <p:cNvSpPr txBox="1"/>
           <p:nvPr/>
         </p:nvSpPr>
         <p:spPr>
           <a:xfrm>
-            <a:off x="6876615" y="4195193"/>
-            <a:ext cx="2779298" cy="369332"/>
+            <a:off x="8049621" y="3106000"/>
+            <a:ext cx="1444490" cy="523220"/>
           </a:xfrm>
           <a:prstGeom prst="rect">
             <a:avLst/>
@@ -6602,23 +6478,23 @@
           <a:lstStyle/>
           <a:p>
             <a:r>
-              <a:rPr lang="pt-BR" dirty="0" smtClean="0"/>
-              <a:t>REPORT GENERATOR CLASS</a:t>
-            </a:r>
-            <a:endParaRPr lang="pt-BR" dirty="0"/>
-          </a:p>
-        </p:txBody>
-      </p:sp>
-      <p:sp>
-        <p:nvSpPr>
-          <p:cNvPr id="81" name="Seta para baixo 80"/>
+              <a:rPr lang="pt-BR" sz="1400" dirty="0" smtClean="0"/>
+              <a:t>CONFIGURE HOST</a:t>
+            </a:r>
+            <a:endParaRPr lang="pt-BR" sz="1400" dirty="0"/>
+          </a:p>
+        </p:txBody>
+      </p:sp>
+      <p:sp>
+        <p:nvSpPr>
+          <p:cNvPr id="86" name="Seta para baixo 85"/>
           <p:cNvSpPr/>
           <p:nvPr/>
         </p:nvSpPr>
         <p:spPr>
-          <a:xfrm rot="10800000" flipH="1">
-            <a:off x="8154758" y="3470569"/>
-            <a:ext cx="149278" cy="301372"/>
+          <a:xfrm rot="16200000" flipH="1">
+            <a:off x="7789614" y="3075404"/>
+            <a:ext cx="158787" cy="210182"/>
           </a:xfrm>
           <a:prstGeom prst="downArrow">
             <a:avLst/>
@@ -6651,18 +6527,16 @@
       </p:sp>
       <p:sp>
         <p:nvSpPr>
-          <p:cNvPr id="91" name="Seta dobrada 90"/>
-          <p:cNvSpPr>
-            <a:spLocks/>
-          </p:cNvSpPr>
+          <p:cNvPr id="45" name="Seta para baixo 44"/>
+          <p:cNvSpPr/>
           <p:nvPr/>
         </p:nvSpPr>
         <p:spPr>
           <a:xfrm rot="16200000" flipH="1">
-            <a:off x="4611334" y="4640801"/>
-            <a:ext cx="248784" cy="1305527"/>
-          </a:xfrm>
-          <a:prstGeom prst="bentArrow">
+            <a:off x="9342671" y="3059449"/>
+            <a:ext cx="158787" cy="210182"/>
+          </a:xfrm>
+          <a:prstGeom prst="downArrow">
             <a:avLst/>
           </a:prstGeom>
         </p:spPr>
@@ -6687,28 +6561,25 @@
           <a:lstStyle/>
           <a:p>
             <a:pPr algn="ctr"/>
-            <a:endParaRPr lang="pt-BR">
-              <a:solidFill>
-                <a:schemeClr val="tx1"/>
-              </a:solidFill>
-            </a:endParaRPr>
-          </a:p>
-        </p:txBody>
-      </p:sp>
-      <p:sp>
-        <p:nvSpPr>
-          <p:cNvPr id="88" name="Seta dobrada 87"/>
+            <a:endParaRPr lang="pt-BR" dirty="0"/>
+          </a:p>
+        </p:txBody>
+      </p:sp>
+      <p:sp>
+        <p:nvSpPr>
+          <p:cNvPr id="50" name="Retângulo 49"/>
           <p:cNvSpPr/>
           <p:nvPr/>
         </p:nvSpPr>
         <p:spPr>
-          <a:xfrm rot="5400000">
-            <a:off x="7782284" y="4818849"/>
-            <a:ext cx="248784" cy="956260"/>
-          </a:xfrm>
-          <a:prstGeom prst="bentArrow">
-            <a:avLst/>
-          </a:prstGeom>
+          <a:xfrm>
+            <a:off x="9604126" y="2205488"/>
+            <a:ext cx="1388041" cy="2131667"/>
+          </a:xfrm>
+          <a:prstGeom prst="rect">
+            <a:avLst/>
+          </a:prstGeom>
+          <a:noFill/>
         </p:spPr>
         <p:style>
           <a:lnRef idx="2">
@@ -6731,28 +6602,55 @@
           <a:lstStyle/>
           <a:p>
             <a:pPr algn="ctr"/>
-            <a:endParaRPr lang="pt-BR" dirty="0">
-              <a:solidFill>
-                <a:schemeClr val="tx1"/>
-              </a:solidFill>
-            </a:endParaRPr>
-          </a:p>
-        </p:txBody>
-      </p:sp>
-      <p:sp>
-        <p:nvSpPr>
-          <p:cNvPr id="89" name="Seta dobrada 88"/>
+            <a:endParaRPr lang="pt-BR" dirty="0"/>
+          </a:p>
+        </p:txBody>
+      </p:sp>
+      <p:sp>
+        <p:nvSpPr>
+          <p:cNvPr id="51" name="CaixaDeTexto 50"/>
+          <p:cNvSpPr txBox="1"/>
+          <p:nvPr/>
+        </p:nvSpPr>
+        <p:spPr>
+          <a:xfrm>
+            <a:off x="9604127" y="2161480"/>
+            <a:ext cx="1671688" cy="307777"/>
+          </a:xfrm>
+          <a:prstGeom prst="rect">
+            <a:avLst/>
+          </a:prstGeom>
+          <a:noFill/>
+        </p:spPr>
+        <p:txBody>
+          <a:bodyPr wrap="square" rtlCol="0">
+            <a:spAutoFit/>
+          </a:bodyPr>
+          <a:lstStyle/>
+          <a:p>
+            <a:r>
+              <a:rPr lang="pt-BR" sz="1400" dirty="0" smtClean="0"/>
+              <a:t>LINK CLASS</a:t>
+            </a:r>
+            <a:endParaRPr lang="pt-BR" sz="1400" dirty="0"/>
+          </a:p>
+        </p:txBody>
+      </p:sp>
+      <p:sp>
+        <p:nvSpPr>
+          <p:cNvPr id="57" name="Retângulo 56"/>
           <p:cNvSpPr/>
           <p:nvPr/>
         </p:nvSpPr>
         <p:spPr>
-          <a:xfrm rot="5400000">
-            <a:off x="6783870" y="4557584"/>
-            <a:ext cx="248784" cy="1479911"/>
-          </a:xfrm>
-          <a:prstGeom prst="bentArrow">
-            <a:avLst/>
-          </a:prstGeom>
+          <a:xfrm>
+            <a:off x="9712360" y="2949770"/>
+            <a:ext cx="1165507" cy="449852"/>
+          </a:xfrm>
+          <a:prstGeom prst="rect">
+            <a:avLst/>
+          </a:prstGeom>
+          <a:noFill/>
         </p:spPr>
         <p:style>
           <a:lnRef idx="2">
@@ -6775,28 +6673,52 @@
           <a:lstStyle/>
           <a:p>
             <a:pPr algn="ctr"/>
-            <a:endParaRPr lang="pt-BR">
-              <a:solidFill>
-                <a:schemeClr val="tx1"/>
-              </a:solidFill>
-            </a:endParaRPr>
-          </a:p>
-        </p:txBody>
-      </p:sp>
-      <p:sp>
-        <p:nvSpPr>
-          <p:cNvPr id="90" name="Seta dobrada 89"/>
-          <p:cNvSpPr>
-            <a:spLocks/>
-          </p:cNvSpPr>
-          <p:nvPr/>
-        </p:nvSpPr>
-        <p:spPr>
-          <a:xfrm rot="5400000">
-            <a:off x="5644222" y="4644216"/>
-            <a:ext cx="248784" cy="1305527"/>
-          </a:xfrm>
-          <a:prstGeom prst="bentArrow">
+            <a:endParaRPr lang="pt-BR"/>
+          </a:p>
+        </p:txBody>
+      </p:sp>
+      <p:sp>
+        <p:nvSpPr>
+          <p:cNvPr id="63" name="CaixaDeTexto 62"/>
+          <p:cNvSpPr txBox="1"/>
+          <p:nvPr/>
+        </p:nvSpPr>
+        <p:spPr>
+          <a:xfrm>
+            <a:off x="9769899" y="3052081"/>
+            <a:ext cx="1444490" cy="307777"/>
+          </a:xfrm>
+          <a:prstGeom prst="rect">
+            <a:avLst/>
+          </a:prstGeom>
+          <a:noFill/>
+        </p:spPr>
+        <p:txBody>
+          <a:bodyPr wrap="square" rtlCol="0">
+            <a:spAutoFit/>
+          </a:bodyPr>
+          <a:lstStyle/>
+          <a:p>
+            <a:r>
+              <a:rPr lang="pt-BR" sz="1400" dirty="0" smtClean="0"/>
+              <a:t>CONFIGURE</a:t>
+            </a:r>
+            <a:endParaRPr lang="pt-BR" sz="1400" dirty="0"/>
+          </a:p>
+        </p:txBody>
+      </p:sp>
+      <p:sp>
+        <p:nvSpPr>
+          <p:cNvPr id="64" name="Seta para baixo 63"/>
+          <p:cNvSpPr/>
+          <p:nvPr/>
+        </p:nvSpPr>
+        <p:spPr>
+          <a:xfrm flipH="1">
+            <a:off x="10205083" y="4414158"/>
+            <a:ext cx="158787" cy="210182"/>
+          </a:xfrm>
+          <a:prstGeom prst="downArrow">
             <a:avLst/>
           </a:prstGeom>
         </p:spPr>
@@ -6821,339 +6743,27 @@
           <a:lstStyle/>
           <a:p>
             <a:pPr algn="ctr"/>
-            <a:endParaRPr lang="pt-BR">
-              <a:solidFill>
-                <a:schemeClr val="tx1"/>
-              </a:solidFill>
-            </a:endParaRPr>
-          </a:p>
-        </p:txBody>
-      </p:sp>
-      <p:sp>
-        <p:nvSpPr>
-          <p:cNvPr id="85" name="Seta para baixo 84"/>
-          <p:cNvSpPr/>
-          <p:nvPr/>
-        </p:nvSpPr>
-        <p:spPr>
-          <a:xfrm flipH="1">
-            <a:off x="5076825" y="5066981"/>
-            <a:ext cx="149278" cy="301372"/>
-          </a:xfrm>
-          <a:prstGeom prst="downArrow">
-            <a:avLst/>
-          </a:prstGeom>
-        </p:spPr>
-        <p:style>
-          <a:lnRef idx="2">
-            <a:schemeClr val="accent1">
-              <a:shade val="50000"/>
-            </a:schemeClr>
-          </a:lnRef>
-          <a:fillRef idx="1">
-            <a:schemeClr val="accent1"/>
-          </a:fillRef>
-          <a:effectRef idx="0">
-            <a:schemeClr val="accent1"/>
-          </a:effectRef>
-          <a:fontRef idx="minor">
-            <a:schemeClr val="lt1"/>
-          </a:fontRef>
-        </p:style>
-        <p:txBody>
-          <a:bodyPr rtlCol="0" anchor="ctr"/>
-          <a:lstStyle/>
-          <a:p>
-            <a:pPr algn="ctr"/>
-            <a:endParaRPr lang="pt-BR"/>
-          </a:p>
-        </p:txBody>
-      </p:sp>
-      <p:sp>
-        <p:nvSpPr>
-          <p:cNvPr id="92" name="CaixaDeTexto 91"/>
-          <p:cNvSpPr txBox="1"/>
-          <p:nvPr/>
-        </p:nvSpPr>
-        <p:spPr>
-          <a:xfrm>
-            <a:off x="5424554" y="4946019"/>
-            <a:ext cx="2089563" cy="276999"/>
-          </a:xfrm>
-          <a:prstGeom prst="rect">
-            <a:avLst/>
-          </a:prstGeom>
-          <a:noFill/>
-        </p:spPr>
-        <p:txBody>
-          <a:bodyPr wrap="square" rtlCol="0">
-            <a:spAutoFit/>
-          </a:bodyPr>
-          <a:lstStyle/>
-          <a:p>
-            <a:r>
-              <a:rPr lang="pt-BR" sz="1200" dirty="0" smtClean="0"/>
-              <a:t>USES </a:t>
-            </a:r>
-          </a:p>
-        </p:txBody>
-      </p:sp>
-      <p:sp>
-        <p:nvSpPr>
-          <p:cNvPr id="60" name="CaixaDeTexto 59"/>
-          <p:cNvSpPr txBox="1"/>
-          <p:nvPr/>
-        </p:nvSpPr>
-        <p:spPr>
-          <a:xfrm>
-            <a:off x="5388490" y="3516472"/>
-            <a:ext cx="2089563" cy="276999"/>
-          </a:xfrm>
-          <a:prstGeom prst="rect">
-            <a:avLst/>
-          </a:prstGeom>
-          <a:noFill/>
-        </p:spPr>
-        <p:txBody>
-          <a:bodyPr wrap="square" rtlCol="0">
-            <a:spAutoFit/>
-          </a:bodyPr>
-          <a:lstStyle/>
-          <a:p>
-            <a:r>
-              <a:rPr lang="pt-BR" sz="1200" dirty="0" err="1" smtClean="0"/>
-              <a:t>Sends</a:t>
-            </a:r>
-            <a:r>
-              <a:rPr lang="pt-BR" sz="1200" dirty="0" smtClean="0"/>
-              <a:t> output</a:t>
-            </a:r>
-            <a:endParaRPr lang="pt-BR" sz="1200" dirty="0" smtClean="0"/>
-          </a:p>
-        </p:txBody>
-      </p:sp>
-      <p:sp>
-        <p:nvSpPr>
-          <p:cNvPr id="72" name="CaixaDeTexto 71"/>
-          <p:cNvSpPr txBox="1"/>
-          <p:nvPr/>
-        </p:nvSpPr>
-        <p:spPr>
-          <a:xfrm>
-            <a:off x="8235253" y="3485736"/>
-            <a:ext cx="2089563" cy="276999"/>
-          </a:xfrm>
-          <a:prstGeom prst="rect">
-            <a:avLst/>
-          </a:prstGeom>
-          <a:noFill/>
-        </p:spPr>
-        <p:txBody>
-          <a:bodyPr wrap="square" rtlCol="0">
-            <a:spAutoFit/>
-          </a:bodyPr>
-          <a:lstStyle/>
-          <a:p>
-            <a:r>
-              <a:rPr lang="pt-BR" sz="1200" dirty="0" err="1" smtClean="0"/>
-              <a:t>Sends</a:t>
-            </a:r>
-            <a:r>
-              <a:rPr lang="pt-BR" sz="1200" dirty="0" smtClean="0"/>
-              <a:t> output</a:t>
-            </a:r>
-            <a:endParaRPr lang="pt-BR" sz="1200" dirty="0" smtClean="0"/>
-          </a:p>
-        </p:txBody>
-      </p:sp>
-      <p:sp>
-        <p:nvSpPr>
-          <p:cNvPr id="73" name="CaixaDeTexto 72"/>
-          <p:cNvSpPr txBox="1"/>
-          <p:nvPr/>
-        </p:nvSpPr>
-        <p:spPr>
-          <a:xfrm>
-            <a:off x="5192919" y="2754697"/>
-            <a:ext cx="2089563" cy="276999"/>
-          </a:xfrm>
-          <a:prstGeom prst="rect">
-            <a:avLst/>
-          </a:prstGeom>
-          <a:noFill/>
-        </p:spPr>
-        <p:txBody>
-          <a:bodyPr wrap="square" rtlCol="0">
-            <a:spAutoFit/>
-          </a:bodyPr>
-          <a:lstStyle/>
-          <a:p>
-            <a:r>
-              <a:rPr lang="pt-BR" sz="1200" dirty="0" err="1" smtClean="0"/>
-              <a:t>Get</a:t>
-            </a:r>
-            <a:r>
-              <a:rPr lang="pt-BR" sz="1200" dirty="0" smtClean="0"/>
-              <a:t> output </a:t>
-            </a:r>
-            <a:r>
-              <a:rPr lang="pt-BR" sz="1200" dirty="0" err="1" smtClean="0"/>
-              <a:t>of</a:t>
-            </a:r>
-            <a:r>
-              <a:rPr lang="pt-BR" sz="1200" dirty="0" smtClean="0"/>
-              <a:t> </a:t>
-            </a:r>
-            <a:r>
-              <a:rPr lang="pt-BR" sz="1200" dirty="0" err="1" smtClean="0"/>
-              <a:t>the</a:t>
-            </a:r>
-            <a:r>
-              <a:rPr lang="pt-BR" sz="1200" dirty="0" smtClean="0"/>
-              <a:t> system</a:t>
-            </a:r>
-            <a:endParaRPr lang="pt-BR" sz="1200" dirty="0" smtClean="0"/>
-          </a:p>
-        </p:txBody>
-      </p:sp>
-      <p:sp>
-        <p:nvSpPr>
-          <p:cNvPr id="74" name="CaixaDeTexto 73"/>
-          <p:cNvSpPr txBox="1"/>
-          <p:nvPr/>
-        </p:nvSpPr>
-        <p:spPr>
-          <a:xfrm>
-            <a:off x="8490024" y="2763421"/>
-            <a:ext cx="2089563" cy="276999"/>
-          </a:xfrm>
-          <a:prstGeom prst="rect">
-            <a:avLst/>
-          </a:prstGeom>
-          <a:noFill/>
-        </p:spPr>
-        <p:txBody>
-          <a:bodyPr wrap="square" rtlCol="0">
-            <a:spAutoFit/>
-          </a:bodyPr>
-          <a:lstStyle/>
-          <a:p>
-            <a:r>
-              <a:rPr lang="pt-BR" sz="1200" dirty="0" err="1" smtClean="0"/>
-              <a:t>Get</a:t>
-            </a:r>
-            <a:r>
-              <a:rPr lang="pt-BR" sz="1200" dirty="0" smtClean="0"/>
-              <a:t> output </a:t>
-            </a:r>
-            <a:r>
-              <a:rPr lang="pt-BR" sz="1200" dirty="0" err="1" smtClean="0"/>
-              <a:t>of</a:t>
-            </a:r>
-            <a:r>
-              <a:rPr lang="pt-BR" sz="1200" dirty="0" smtClean="0"/>
-              <a:t> </a:t>
-            </a:r>
-            <a:r>
-              <a:rPr lang="pt-BR" sz="1200" dirty="0" err="1" smtClean="0"/>
-              <a:t>the</a:t>
-            </a:r>
-            <a:r>
-              <a:rPr lang="pt-BR" sz="1200" dirty="0" smtClean="0"/>
-              <a:t> system</a:t>
-            </a:r>
-            <a:endParaRPr lang="pt-BR" sz="1200" dirty="0" smtClean="0"/>
-          </a:p>
-        </p:txBody>
-      </p:sp>
-      <p:sp>
-        <p:nvSpPr>
-          <p:cNvPr id="75" name="Retângulo 74"/>
-          <p:cNvSpPr/>
-          <p:nvPr/>
-        </p:nvSpPr>
-        <p:spPr>
-          <a:xfrm>
-            <a:off x="8883769" y="5443329"/>
-            <a:ext cx="988019" cy="741342"/>
-          </a:xfrm>
-          <a:prstGeom prst="rect">
-            <a:avLst/>
-          </a:prstGeom>
-          <a:noFill/>
-        </p:spPr>
-        <p:style>
-          <a:lnRef idx="2">
-            <a:schemeClr val="accent1">
-              <a:shade val="50000"/>
-            </a:schemeClr>
-          </a:lnRef>
-          <a:fillRef idx="1">
-            <a:schemeClr val="accent1"/>
-          </a:fillRef>
-          <a:effectRef idx="0">
-            <a:schemeClr val="accent1"/>
-          </a:effectRef>
-          <a:fontRef idx="minor">
-            <a:schemeClr val="lt1"/>
-          </a:fontRef>
-        </p:style>
-        <p:txBody>
-          <a:bodyPr rtlCol="0" anchor="ctr"/>
-          <a:lstStyle/>
-          <a:p>
-            <a:pPr algn="ctr"/>
-            <a:endParaRPr lang="pt-BR"/>
-          </a:p>
-        </p:txBody>
-      </p:sp>
-      <p:sp>
-        <p:nvSpPr>
-          <p:cNvPr id="80" name="CaixaDeTexto 79"/>
-          <p:cNvSpPr txBox="1"/>
-          <p:nvPr/>
-        </p:nvSpPr>
-        <p:spPr>
-          <a:xfrm>
-            <a:off x="8835689" y="5380755"/>
-            <a:ext cx="1108267" cy="923330"/>
-          </a:xfrm>
-          <a:prstGeom prst="rect">
-            <a:avLst/>
-          </a:prstGeom>
-          <a:noFill/>
-        </p:spPr>
-        <p:txBody>
-          <a:bodyPr wrap="square" rtlCol="0">
-            <a:spAutoFit/>
-          </a:bodyPr>
-          <a:lstStyle/>
-          <a:p>
-            <a:r>
-              <a:rPr lang="pt-BR" dirty="0" smtClean="0"/>
-              <a:t>FILE HANDLER</a:t>
-            </a:r>
-            <a:endParaRPr lang="pt-BR" dirty="0" smtClean="0"/>
-          </a:p>
-          <a:p>
-            <a:r>
-              <a:rPr lang="pt-BR" dirty="0" smtClean="0"/>
-              <a:t>CLASS</a:t>
-            </a:r>
-            <a:endParaRPr lang="pt-BR" dirty="0"/>
+            <a:endParaRPr lang="pt-BR"/>
           </a:p>
         </p:txBody>
       </p:sp>
     </p:spTree>
     <p:extLst>
       <p:ext uri="{BB962C8B-B14F-4D97-AF65-F5344CB8AC3E}">
-        <p14:creationId xmlns:p14="http://schemas.microsoft.com/office/powerpoint/2010/main" val="1682112140"/>
+        <p14:creationId xmlns:p14="http://schemas.microsoft.com/office/powerpoint/2010/main" val="2308514112"/>
       </p:ext>
     </p:extLst>
   </p:cSld>
   <p:clrMapOvr>
     <a:masterClrMapping/>
   </p:clrMapOvr>
+  <p:timing>
+    <p:tnLst>
+      <p:par>
+        <p:cTn id="1" dur="indefinite" restart="never" nodeType="tmRoot"/>
+      </p:par>
+    </p:tnLst>
+  </p:timing>
 </p:sld>
 </file>
 
@@ -7176,14 +6786,14 @@
       </p:grpSpPr>
       <p:sp>
         <p:nvSpPr>
-          <p:cNvPr id="4" name="Retângulo 3"/>
+          <p:cNvPr id="6" name="Retângulo 5"/>
           <p:cNvSpPr/>
           <p:nvPr/>
         </p:nvSpPr>
         <p:spPr>
           <a:xfrm>
-            <a:off x="1819225" y="1178821"/>
-            <a:ext cx="9928015" cy="4504697"/>
+            <a:off x="5079076" y="1725746"/>
+            <a:ext cx="6390537" cy="357081"/>
           </a:xfrm>
           <a:prstGeom prst="rect">
             <a:avLst/>
@@ -7217,14 +6827,14 @@
       </p:sp>
       <p:sp>
         <p:nvSpPr>
-          <p:cNvPr id="5" name="CaixaDeTexto 4"/>
+          <p:cNvPr id="8" name="CaixaDeTexto 7"/>
           <p:cNvSpPr txBox="1"/>
           <p:nvPr/>
         </p:nvSpPr>
         <p:spPr>
           <a:xfrm>
-            <a:off x="1911253" y="1253105"/>
-            <a:ext cx="2078678" cy="369332"/>
+            <a:off x="7418721" y="1720516"/>
+            <a:ext cx="2298470" cy="369332"/>
           </a:xfrm>
           <a:prstGeom prst="rect">
             <a:avLst/>
@@ -7239,7 +6849,11 @@
           <a:p>
             <a:r>
               <a:rPr lang="pt-BR" dirty="0" smtClean="0"/>
-              <a:t>EXECUTOR CLASS</a:t>
+              <a:t>UI</a:t>
+            </a:r>
+            <a:r>
+              <a:rPr lang="pt-BR" dirty="0" smtClean="0"/>
+              <a:t>(HTML ou TKINTER)</a:t>
             </a:r>
             <a:endParaRPr lang="pt-BR" dirty="0"/>
           </a:p>
@@ -7247,19 +6861,18 @@
       </p:sp>
       <p:sp>
         <p:nvSpPr>
-          <p:cNvPr id="6" name="Retângulo 5"/>
+          <p:cNvPr id="28" name="Seta para baixo 27"/>
           <p:cNvSpPr/>
           <p:nvPr/>
         </p:nvSpPr>
         <p:spPr>
-          <a:xfrm>
-            <a:off x="654264" y="2842300"/>
-            <a:ext cx="624604" cy="734350"/>
-          </a:xfrm>
-          <a:prstGeom prst="rect">
-            <a:avLst/>
-          </a:prstGeom>
-          <a:noFill/>
+          <a:xfrm flipH="1">
+            <a:off x="8208136" y="2120388"/>
+            <a:ext cx="149278" cy="301372"/>
+          </a:xfrm>
+          <a:prstGeom prst="downArrow">
+            <a:avLst/>
+          </a:prstGeom>
         </p:spPr>
         <p:style>
           <a:lnRef idx="2">
@@ -7288,14 +6901,14 @@
       </p:sp>
       <p:sp>
         <p:nvSpPr>
-          <p:cNvPr id="7" name="CaixaDeTexto 6"/>
+          <p:cNvPr id="29" name="CaixaDeTexto 28"/>
           <p:cNvSpPr txBox="1"/>
           <p:nvPr/>
         </p:nvSpPr>
         <p:spPr>
           <a:xfrm>
-            <a:off x="644007" y="2910143"/>
-            <a:ext cx="906691" cy="646331"/>
+            <a:off x="7083344" y="2145220"/>
+            <a:ext cx="1252331" cy="276999"/>
           </a:xfrm>
           <a:prstGeom prst="rect">
             <a:avLst/>
@@ -7309,33 +6922,58 @@
           <a:lstStyle/>
           <a:p>
             <a:r>
-              <a:rPr lang="pt-BR" dirty="0" smtClean="0"/>
-              <a:t>JSON</a:t>
-            </a:r>
-          </a:p>
-          <a:p>
-            <a:r>
-              <a:rPr lang="pt-BR" dirty="0" smtClean="0"/>
-              <a:t>FILE</a:t>
-            </a:r>
-            <a:endParaRPr lang="pt-BR" dirty="0"/>
-          </a:p>
-        </p:txBody>
-      </p:sp>
-      <p:sp>
-        <p:nvSpPr>
-          <p:cNvPr id="8" name="Seta para baixo 7"/>
+              <a:rPr lang="pt-BR" sz="1200" dirty="0" smtClean="0"/>
+              <a:t>HTTP REQUESTS</a:t>
+            </a:r>
+            <a:endParaRPr lang="pt-BR" sz="1200" dirty="0"/>
+          </a:p>
+        </p:txBody>
+      </p:sp>
+      <p:sp>
+        <p:nvSpPr>
+          <p:cNvPr id="32" name="CaixaDeTexto 31"/>
+          <p:cNvSpPr txBox="1"/>
+          <p:nvPr/>
+        </p:nvSpPr>
+        <p:spPr>
+          <a:xfrm>
+            <a:off x="5079076" y="2444168"/>
+            <a:ext cx="1252331" cy="276999"/>
+          </a:xfrm>
+          <a:prstGeom prst="rect">
+            <a:avLst/>
+          </a:prstGeom>
+          <a:noFill/>
+        </p:spPr>
+        <p:txBody>
+          <a:bodyPr wrap="square" rtlCol="0">
+            <a:spAutoFit/>
+          </a:bodyPr>
+          <a:lstStyle/>
+          <a:p>
+            <a:r>
+              <a:rPr lang="pt-BR" sz="1200" dirty="0" smtClean="0"/>
+              <a:t>LST</a:t>
+            </a:r>
+            <a:endParaRPr lang="pt-BR" sz="1200" dirty="0"/>
+          </a:p>
+        </p:txBody>
+      </p:sp>
+      <p:sp>
+        <p:nvSpPr>
+          <p:cNvPr id="36" name="Retângulo 35"/>
           <p:cNvSpPr/>
           <p:nvPr/>
         </p:nvSpPr>
         <p:spPr>
-          <a:xfrm rot="16200000" flipH="1">
-            <a:off x="1410283" y="2971432"/>
-            <a:ext cx="318864" cy="429837"/>
-          </a:xfrm>
-          <a:prstGeom prst="downArrow">
-            <a:avLst/>
-          </a:prstGeom>
+          <a:xfrm>
+            <a:off x="5068959" y="2456512"/>
+            <a:ext cx="6408418" cy="3247721"/>
+          </a:xfrm>
+          <a:prstGeom prst="rect">
+            <a:avLst/>
+          </a:prstGeom>
+          <a:noFill/>
         </p:spPr>
         <p:style>
           <a:lnRef idx="2">
@@ -7364,19 +7002,47 @@
       </p:sp>
       <p:sp>
         <p:nvSpPr>
-          <p:cNvPr id="9" name="Retângulo 8"/>
+          <p:cNvPr id="41" name="CaixaDeTexto 40"/>
+          <p:cNvSpPr txBox="1"/>
+          <p:nvPr/>
+        </p:nvSpPr>
+        <p:spPr>
+          <a:xfrm>
+            <a:off x="8471550" y="2133187"/>
+            <a:ext cx="2298519" cy="276999"/>
+          </a:xfrm>
+          <a:prstGeom prst="rect">
+            <a:avLst/>
+          </a:prstGeom>
+          <a:noFill/>
+        </p:spPr>
+        <p:txBody>
+          <a:bodyPr wrap="square" rtlCol="0">
+            <a:spAutoFit/>
+          </a:bodyPr>
+          <a:lstStyle/>
+          <a:p>
+            <a:r>
+              <a:rPr lang="pt-BR" sz="1200" dirty="0" smtClean="0"/>
+              <a:t>HTML RESPONSE </a:t>
+            </a:r>
+          </a:p>
+        </p:txBody>
+      </p:sp>
+      <p:sp>
+        <p:nvSpPr>
+          <p:cNvPr id="45" name="Seta para baixo 44"/>
           <p:cNvSpPr/>
           <p:nvPr/>
         </p:nvSpPr>
         <p:spPr>
-          <a:xfrm>
-            <a:off x="1995384" y="2886309"/>
-            <a:ext cx="548404" cy="567229"/>
-          </a:xfrm>
-          <a:prstGeom prst="rect">
-            <a:avLst/>
-          </a:prstGeom>
-          <a:noFill/>
+          <a:xfrm rot="10800000" flipH="1">
+            <a:off x="8390778" y="2117172"/>
+            <a:ext cx="149278" cy="301372"/>
+          </a:xfrm>
+          <a:prstGeom prst="downArrow">
+            <a:avLst/>
+          </a:prstGeom>
         </p:spPr>
         <p:style>
           <a:lnRef idx="2">
@@ -7405,54 +7071,19 @@
       </p:sp>
       <p:sp>
         <p:nvSpPr>
-          <p:cNvPr id="10" name="CaixaDeTexto 9"/>
-          <p:cNvSpPr txBox="1"/>
-          <p:nvPr/>
-        </p:nvSpPr>
-        <p:spPr>
-          <a:xfrm>
-            <a:off x="2010533" y="2930318"/>
-            <a:ext cx="815195" cy="523220"/>
-          </a:xfrm>
-          <a:prstGeom prst="rect">
-            <a:avLst/>
-          </a:prstGeom>
-          <a:noFill/>
-        </p:spPr>
-        <p:txBody>
-          <a:bodyPr wrap="square" rtlCol="0">
-            <a:spAutoFit/>
-          </a:bodyPr>
-          <a:lstStyle/>
-          <a:p>
-            <a:r>
-              <a:rPr lang="pt-BR" sz="1400" dirty="0" smtClean="0"/>
-              <a:t>READ</a:t>
-            </a:r>
-          </a:p>
-          <a:p>
-            <a:r>
-              <a:rPr lang="pt-BR" sz="1400" dirty="0" smtClean="0"/>
-              <a:t>FILE</a:t>
-            </a:r>
-            <a:endParaRPr lang="pt-BR" sz="1400" dirty="0"/>
-          </a:p>
-        </p:txBody>
-      </p:sp>
-      <p:sp>
-        <p:nvSpPr>
-          <p:cNvPr id="19" name="Seta para baixo 18"/>
+          <p:cNvPr id="47" name="Retângulo 46"/>
           <p:cNvSpPr/>
           <p:nvPr/>
         </p:nvSpPr>
         <p:spPr>
-          <a:xfrm rot="16200000" flipH="1">
-            <a:off x="2613314" y="3086837"/>
-            <a:ext cx="158787" cy="210182"/>
-          </a:xfrm>
-          <a:prstGeom prst="downArrow">
-            <a:avLst/>
-          </a:prstGeom>
+          <a:xfrm>
+            <a:off x="5522413" y="2527547"/>
+            <a:ext cx="5605818" cy="279352"/>
+          </a:xfrm>
+          <a:prstGeom prst="rect">
+            <a:avLst/>
+          </a:prstGeom>
+          <a:noFill/>
         </p:spPr>
         <p:style>
           <a:lnRef idx="2">
@@ -7481,19 +7112,50 @@
       </p:sp>
       <p:sp>
         <p:nvSpPr>
-          <p:cNvPr id="21" name="Retângulo 20"/>
+          <p:cNvPr id="49" name="CaixaDeTexto 48"/>
+          <p:cNvSpPr txBox="1"/>
+          <p:nvPr/>
+        </p:nvSpPr>
+        <p:spPr>
+          <a:xfrm>
+            <a:off x="7890262" y="2492195"/>
+            <a:ext cx="2915877" cy="646331"/>
+          </a:xfrm>
+          <a:prstGeom prst="rect">
+            <a:avLst/>
+          </a:prstGeom>
+          <a:noFill/>
+        </p:spPr>
+        <p:txBody>
+          <a:bodyPr wrap="square" rtlCol="0">
+            <a:spAutoFit/>
+          </a:bodyPr>
+          <a:lstStyle/>
+          <a:p>
+            <a:r>
+              <a:rPr lang="pt-BR" dirty="0" smtClean="0"/>
+              <a:t>REST API</a:t>
+            </a:r>
+          </a:p>
+          <a:p>
+            <a:endParaRPr lang="pt-BR" dirty="0"/>
+          </a:p>
+        </p:txBody>
+      </p:sp>
+      <p:sp>
+        <p:nvSpPr>
+          <p:cNvPr id="61" name="Seta para baixo 60"/>
           <p:cNvSpPr/>
           <p:nvPr/>
         </p:nvSpPr>
         <p:spPr>
-          <a:xfrm>
-            <a:off x="2848023" y="4714601"/>
-            <a:ext cx="8144144" cy="533081"/>
-          </a:xfrm>
-          <a:prstGeom prst="rect">
-            <a:avLst/>
-          </a:prstGeom>
-          <a:noFill/>
+          <a:xfrm rot="10800000" flipH="1">
+            <a:off x="7893964" y="2849570"/>
+            <a:ext cx="149278" cy="1654811"/>
+          </a:xfrm>
+          <a:prstGeom prst="downArrow">
+            <a:avLst/>
+          </a:prstGeom>
         </p:spPr>
         <p:style>
           <a:lnRef idx="2">
@@ -7522,44 +7184,14 @@
       </p:sp>
       <p:sp>
         <p:nvSpPr>
-          <p:cNvPr id="22" name="CaixaDeTexto 21"/>
-          <p:cNvSpPr txBox="1"/>
-          <p:nvPr/>
-        </p:nvSpPr>
-        <p:spPr>
-          <a:xfrm>
-            <a:off x="5480333" y="4773527"/>
-            <a:ext cx="3210481" cy="369332"/>
-          </a:xfrm>
-          <a:prstGeom prst="rect">
-            <a:avLst/>
-          </a:prstGeom>
-          <a:noFill/>
-        </p:spPr>
-        <p:txBody>
-          <a:bodyPr wrap="square" rtlCol="0">
-            <a:spAutoFit/>
-          </a:bodyPr>
-          <a:lstStyle/>
-          <a:p>
-            <a:r>
-              <a:rPr lang="pt-BR" dirty="0" smtClean="0"/>
-              <a:t>COMMAND LINE HELPER CLASS</a:t>
-            </a:r>
-            <a:endParaRPr lang="pt-BR" dirty="0"/>
-          </a:p>
-        </p:txBody>
-      </p:sp>
-      <p:sp>
-        <p:nvSpPr>
-          <p:cNvPr id="32" name="Retângulo 31"/>
+          <p:cNvPr id="62" name="Retângulo 61"/>
           <p:cNvSpPr/>
           <p:nvPr/>
         </p:nvSpPr>
         <p:spPr>
           <a:xfrm>
-            <a:off x="2848023" y="2200508"/>
-            <a:ext cx="1344029" cy="2131667"/>
+            <a:off x="5195834" y="4820313"/>
+            <a:ext cx="952684" cy="734350"/>
           </a:xfrm>
           <a:prstGeom prst="rect">
             <a:avLst/>
@@ -7593,14 +7225,14 @@
       </p:sp>
       <p:sp>
         <p:nvSpPr>
-          <p:cNvPr id="33" name="CaixaDeTexto 32"/>
+          <p:cNvPr id="63" name="CaixaDeTexto 62"/>
           <p:cNvSpPr txBox="1"/>
           <p:nvPr/>
         </p:nvSpPr>
         <p:spPr>
           <a:xfrm>
-            <a:off x="2848024" y="2156500"/>
-            <a:ext cx="1671688" cy="523220"/>
+            <a:off x="5290912" y="4864321"/>
+            <a:ext cx="906691" cy="646331"/>
           </a:xfrm>
           <a:prstGeom prst="rect">
             <a:avLst/>
@@ -7614,29 +7246,29 @@
           <a:lstStyle/>
           <a:p>
             <a:r>
-              <a:rPr lang="pt-BR" sz="1400" dirty="0" smtClean="0"/>
-              <a:t>CONTROLLER </a:t>
-            </a:r>
-          </a:p>
-          <a:p>
-            <a:r>
-              <a:rPr lang="pt-BR" sz="1400" dirty="0" smtClean="0"/>
+              <a:rPr lang="pt-BR" dirty="0" smtClean="0"/>
+              <a:t>HOST </a:t>
+            </a:r>
+          </a:p>
+          <a:p>
+            <a:r>
+              <a:rPr lang="pt-BR" dirty="0" smtClean="0"/>
               <a:t>CLASS</a:t>
             </a:r>
-            <a:endParaRPr lang="pt-BR" sz="1400" dirty="0"/>
-          </a:p>
-        </p:txBody>
-      </p:sp>
-      <p:sp>
-        <p:nvSpPr>
-          <p:cNvPr id="34" name="Retângulo 33"/>
+            <a:endParaRPr lang="pt-BR" dirty="0"/>
+          </a:p>
+        </p:txBody>
+      </p:sp>
+      <p:sp>
+        <p:nvSpPr>
+          <p:cNvPr id="64" name="Retângulo 63"/>
           <p:cNvSpPr/>
           <p:nvPr/>
         </p:nvSpPr>
         <p:spPr>
           <a:xfrm>
-            <a:off x="2946536" y="2897296"/>
-            <a:ext cx="1165507" cy="449852"/>
+            <a:off x="6215684" y="4820313"/>
+            <a:ext cx="902018" cy="741342"/>
           </a:xfrm>
           <a:prstGeom prst="rect">
             <a:avLst/>
@@ -7670,14 +7302,14 @@
       </p:sp>
       <p:sp>
         <p:nvSpPr>
-          <p:cNvPr id="35" name="CaixaDeTexto 34"/>
+          <p:cNvPr id="65" name="CaixaDeTexto 64"/>
           <p:cNvSpPr txBox="1"/>
           <p:nvPr/>
         </p:nvSpPr>
         <p:spPr>
           <a:xfrm>
-            <a:off x="2961686" y="2941305"/>
-            <a:ext cx="1444490" cy="307777"/>
+            <a:off x="6221777" y="4864321"/>
+            <a:ext cx="1009500" cy="646331"/>
           </a:xfrm>
           <a:prstGeom prst="rect">
             <a:avLst/>
@@ -7691,27 +7323,34 @@
           <a:lstStyle/>
           <a:p>
             <a:r>
-              <a:rPr lang="pt-BR" sz="1400" dirty="0" smtClean="0"/>
-              <a:t>INSTANTIATE</a:t>
-            </a:r>
-            <a:endParaRPr lang="pt-BR" sz="1400" dirty="0"/>
-          </a:p>
-        </p:txBody>
-      </p:sp>
-      <p:sp>
-        <p:nvSpPr>
-          <p:cNvPr id="39" name="Seta para baixo 38"/>
+              <a:rPr lang="pt-BR" dirty="0" smtClean="0"/>
+              <a:t>SWITCH</a:t>
+            </a:r>
+          </a:p>
+          <a:p>
+            <a:r>
+              <a:rPr lang="pt-BR" dirty="0" smtClean="0"/>
+              <a:t>CLASS</a:t>
+            </a:r>
+            <a:endParaRPr lang="pt-BR" dirty="0"/>
+          </a:p>
+        </p:txBody>
+      </p:sp>
+      <p:sp>
+        <p:nvSpPr>
+          <p:cNvPr id="66" name="Retângulo 65"/>
           <p:cNvSpPr/>
           <p:nvPr/>
         </p:nvSpPr>
         <p:spPr>
-          <a:xfrm flipH="1">
-            <a:off x="3449895" y="4410760"/>
-            <a:ext cx="158787" cy="210182"/>
-          </a:xfrm>
-          <a:prstGeom prst="downArrow">
-            <a:avLst/>
-          </a:prstGeom>
+          <a:xfrm>
+            <a:off x="7176359" y="4820313"/>
+            <a:ext cx="1322704" cy="741342"/>
+          </a:xfrm>
+          <a:prstGeom prst="rect">
+            <a:avLst/>
+          </a:prstGeom>
+          <a:noFill/>
         </p:spPr>
         <p:style>
           <a:lnRef idx="2">
@@ -7740,14 +7379,50 @@
       </p:sp>
       <p:sp>
         <p:nvSpPr>
-          <p:cNvPr id="40" name="Retângulo 39"/>
+          <p:cNvPr id="67" name="CaixaDeTexto 66"/>
+          <p:cNvSpPr txBox="1"/>
+          <p:nvPr/>
+        </p:nvSpPr>
+        <p:spPr>
+          <a:xfrm>
+            <a:off x="7140402" y="4820313"/>
+            <a:ext cx="1415852" cy="646331"/>
+          </a:xfrm>
+          <a:prstGeom prst="rect">
+            <a:avLst/>
+          </a:prstGeom>
+          <a:noFill/>
+        </p:spPr>
+        <p:txBody>
+          <a:bodyPr wrap="square" rtlCol="0">
+            <a:spAutoFit/>
+          </a:bodyPr>
+          <a:lstStyle/>
+          <a:p>
+            <a:r>
+              <a:rPr lang="pt-BR" dirty="0" smtClean="0"/>
+              <a:t>CONTROLLER</a:t>
+            </a:r>
+          </a:p>
+          <a:p>
+            <a:r>
+              <a:rPr lang="pt-BR" dirty="0" smtClean="0"/>
+              <a:t>CLASS</a:t>
+            </a:r>
+            <a:endParaRPr lang="pt-BR" dirty="0"/>
+          </a:p>
+        </p:txBody>
+      </p:sp>
+      <p:sp>
+        <p:nvSpPr>
+          <p:cNvPr id="68" name="Retângulo 67"/>
           <p:cNvSpPr/>
           <p:nvPr/>
         </p:nvSpPr>
         <p:spPr>
           <a:xfrm>
-            <a:off x="4486185" y="2205488"/>
-            <a:ext cx="1388041" cy="2131667"/>
+            <a:off x="8768181" y="4820039"/>
+            <a:ext cx="751296" cy="741342"/>
           </a:xfrm>
           <a:prstGeom prst="rect">
             <a:avLst/>
@@ -7775,20 +7450,20 @@
           <a:lstStyle/>
           <a:p>
             <a:pPr algn="ctr"/>
-            <a:endParaRPr lang="pt-BR" dirty="0"/>
-          </a:p>
-        </p:txBody>
-      </p:sp>
-      <p:sp>
-        <p:nvSpPr>
-          <p:cNvPr id="41" name="CaixaDeTexto 40"/>
+            <a:endParaRPr lang="pt-BR"/>
+          </a:p>
+        </p:txBody>
+      </p:sp>
+      <p:sp>
+        <p:nvSpPr>
+          <p:cNvPr id="69" name="CaixaDeTexto 68"/>
           <p:cNvSpPr txBox="1"/>
           <p:nvPr/>
         </p:nvSpPr>
         <p:spPr>
           <a:xfrm>
-            <a:off x="4486186" y="2161480"/>
-            <a:ext cx="1671688" cy="307777"/>
+            <a:off x="8750836" y="4916254"/>
+            <a:ext cx="811555" cy="646331"/>
           </a:xfrm>
           <a:prstGeom prst="rect">
             <a:avLst/>
@@ -7802,23 +7477,29 @@
           <a:lstStyle/>
           <a:p>
             <a:r>
-              <a:rPr lang="pt-BR" sz="1400" dirty="0" smtClean="0"/>
-              <a:t>SWITCH CLASS</a:t>
-            </a:r>
-            <a:endParaRPr lang="pt-BR" sz="1400" dirty="0"/>
-          </a:p>
-        </p:txBody>
-      </p:sp>
-      <p:sp>
-        <p:nvSpPr>
-          <p:cNvPr id="42" name="Retângulo 41"/>
+              <a:rPr lang="pt-BR" dirty="0" smtClean="0"/>
+              <a:t>LINK</a:t>
+            </a:r>
+          </a:p>
+          <a:p>
+            <a:r>
+              <a:rPr lang="pt-BR" dirty="0" smtClean="0"/>
+              <a:t>CLASS</a:t>
+            </a:r>
+            <a:endParaRPr lang="pt-BR" dirty="0"/>
+          </a:p>
+        </p:txBody>
+      </p:sp>
+      <p:sp>
+        <p:nvSpPr>
+          <p:cNvPr id="70" name="Retângulo 69"/>
           <p:cNvSpPr/>
           <p:nvPr/>
         </p:nvSpPr>
         <p:spPr>
           <a:xfrm>
-            <a:off x="4584698" y="2597476"/>
-            <a:ext cx="1165507" cy="449852"/>
+            <a:off x="3644464" y="1382391"/>
+            <a:ext cx="8290361" cy="4646934"/>
           </a:xfrm>
           <a:prstGeom prst="rect">
             <a:avLst/>
@@ -7852,45 +7533,18 @@
       </p:sp>
       <p:sp>
         <p:nvSpPr>
-          <p:cNvPr id="43" name="CaixaDeTexto 42"/>
-          <p:cNvSpPr txBox="1"/>
-          <p:nvPr/>
-        </p:nvSpPr>
-        <p:spPr>
-          <a:xfrm>
-            <a:off x="4599848" y="2641485"/>
-            <a:ext cx="1230366" cy="369332"/>
-          </a:xfrm>
-          <a:prstGeom prst="rect">
-            <a:avLst/>
-          </a:prstGeom>
-          <a:noFill/>
-        </p:spPr>
-        <p:txBody>
-          <a:bodyPr wrap="square" rtlCol="0">
-            <a:spAutoFit/>
-          </a:bodyPr>
-          <a:lstStyle/>
-          <a:p>
-            <a:endParaRPr lang="pt-BR" dirty="0"/>
-          </a:p>
-        </p:txBody>
-      </p:sp>
-      <p:sp>
-        <p:nvSpPr>
-          <p:cNvPr id="44" name="Retângulo 43"/>
+          <p:cNvPr id="82" name="Seta dobrada 81"/>
           <p:cNvSpPr/>
           <p:nvPr/>
         </p:nvSpPr>
         <p:spPr>
-          <a:xfrm>
-            <a:off x="4594419" y="3313663"/>
-            <a:ext cx="1165507" cy="449852"/>
-          </a:xfrm>
-          <a:prstGeom prst="rect">
-            <a:avLst/>
-          </a:prstGeom>
-          <a:noFill/>
+          <a:xfrm rot="5400000">
+            <a:off x="9509070" y="3931284"/>
+            <a:ext cx="248784" cy="1463346"/>
+          </a:xfrm>
+          <a:prstGeom prst="bentArrow">
+            <a:avLst/>
+          </a:prstGeom>
         </p:spPr>
         <p:style>
           <a:lnRef idx="2">
@@ -7913,24 +7567,59 @@
           <a:lstStyle/>
           <a:p>
             <a:pPr algn="ctr"/>
-            <a:endParaRPr lang="pt-BR"/>
-          </a:p>
-        </p:txBody>
-      </p:sp>
-      <p:sp>
-        <p:nvSpPr>
-          <p:cNvPr id="46" name="Seta para baixo 45"/>
+            <a:endParaRPr lang="pt-BR" dirty="0">
+              <a:solidFill>
+                <a:schemeClr val="tx1"/>
+              </a:solidFill>
+            </a:endParaRPr>
+          </a:p>
+        </p:txBody>
+      </p:sp>
+      <p:sp>
+        <p:nvSpPr>
+          <p:cNvPr id="71" name="CaixaDeTexto 70"/>
+          <p:cNvSpPr txBox="1"/>
+          <p:nvPr/>
+        </p:nvSpPr>
+        <p:spPr>
+          <a:xfrm>
+            <a:off x="3726753" y="1382391"/>
+            <a:ext cx="2017504" cy="369332"/>
+          </a:xfrm>
+          <a:prstGeom prst="rect">
+            <a:avLst/>
+          </a:prstGeom>
+          <a:noFill/>
+        </p:spPr>
+        <p:txBody>
+          <a:bodyPr wrap="square" rtlCol="0">
+            <a:spAutoFit/>
+          </a:bodyPr>
+          <a:lstStyle/>
+          <a:p>
+            <a:r>
+              <a:rPr lang="pt-BR" dirty="0" smtClean="0"/>
+              <a:t>LOCALHOST</a:t>
+            </a:r>
+            <a:endParaRPr lang="pt-BR" dirty="0"/>
+          </a:p>
+        </p:txBody>
+      </p:sp>
+      <p:sp>
+        <p:nvSpPr>
+          <p:cNvPr id="78" name="Retângulo 77"/>
           <p:cNvSpPr/>
           <p:nvPr/>
         </p:nvSpPr>
         <p:spPr>
-          <a:xfrm flipH="1">
-            <a:off x="5086592" y="3075404"/>
-            <a:ext cx="158787" cy="210182"/>
-          </a:xfrm>
-          <a:prstGeom prst="downArrow">
-            <a:avLst/>
-          </a:prstGeom>
+          <a:xfrm>
+            <a:off x="8384400" y="3182026"/>
+            <a:ext cx="2743831" cy="1192044"/>
+          </a:xfrm>
+          <a:prstGeom prst="rect">
+            <a:avLst/>
+          </a:prstGeom>
+          <a:noFill/>
         </p:spPr>
         <p:style>
           <a:lnRef idx="2">
@@ -7959,14 +7648,48 @@
       </p:sp>
       <p:sp>
         <p:nvSpPr>
-          <p:cNvPr id="47" name="Seta para baixo 46"/>
+          <p:cNvPr id="79" name="CaixaDeTexto 78"/>
+          <p:cNvSpPr txBox="1"/>
+          <p:nvPr/>
+        </p:nvSpPr>
+        <p:spPr>
+          <a:xfrm>
+            <a:off x="8690315" y="3437074"/>
+            <a:ext cx="2779298" cy="646331"/>
+          </a:xfrm>
+          <a:prstGeom prst="rect">
+            <a:avLst/>
+          </a:prstGeom>
+          <a:noFill/>
+        </p:spPr>
+        <p:txBody>
+          <a:bodyPr wrap="square" rtlCol="0">
+            <a:spAutoFit/>
+          </a:bodyPr>
+          <a:lstStyle/>
+          <a:p>
+            <a:r>
+              <a:rPr lang="pt-BR" dirty="0" smtClean="0"/>
+              <a:t>REPORT GENERATOR </a:t>
+            </a:r>
+            <a:r>
+              <a:rPr lang="pt-BR" dirty="0" smtClean="0"/>
+              <a:t>MODULE</a:t>
+            </a:r>
+            <a:endParaRPr lang="pt-BR" dirty="0"/>
+          </a:p>
+        </p:txBody>
+      </p:sp>
+      <p:sp>
+        <p:nvSpPr>
+          <p:cNvPr id="81" name="Seta para baixo 80"/>
           <p:cNvSpPr/>
           <p:nvPr/>
         </p:nvSpPr>
         <p:spPr>
-          <a:xfrm flipH="1">
-            <a:off x="5105157" y="4415657"/>
-            <a:ext cx="158787" cy="210182"/>
+          <a:xfrm rot="10800000" flipH="1">
+            <a:off x="9680415" y="2842582"/>
+            <a:ext cx="149278" cy="301372"/>
           </a:xfrm>
           <a:prstGeom prst="downArrow">
             <a:avLst/>
@@ -7999,19 +7722,20 @@
       </p:sp>
       <p:sp>
         <p:nvSpPr>
-          <p:cNvPr id="48" name="Retângulo 47"/>
-          <p:cNvSpPr/>
-          <p:nvPr/>
-        </p:nvSpPr>
-        <p:spPr>
-          <a:xfrm>
-            <a:off x="6192939" y="2205488"/>
-            <a:ext cx="3042267" cy="2131667"/>
-          </a:xfrm>
-          <a:prstGeom prst="rect">
-            <a:avLst/>
-          </a:prstGeom>
-          <a:noFill/>
+          <p:cNvPr id="91" name="Seta dobrada 90"/>
+          <p:cNvSpPr>
+            <a:spLocks/>
+          </p:cNvSpPr>
+          <p:nvPr/>
+        </p:nvSpPr>
+        <p:spPr>
+          <a:xfrm rot="16200000" flipH="1">
+            <a:off x="6133816" y="4015989"/>
+            <a:ext cx="248784" cy="1305527"/>
+          </a:xfrm>
+          <a:prstGeom prst="bentArrow">
+            <a:avLst/>
+          </a:prstGeom>
         </p:spPr>
         <p:style>
           <a:lnRef idx="2">
@@ -8034,55 +7758,28 @@
           <a:lstStyle/>
           <a:p>
             <a:pPr algn="ctr"/>
-            <a:endParaRPr lang="pt-BR"/>
-          </a:p>
-        </p:txBody>
-      </p:sp>
-      <p:sp>
-        <p:nvSpPr>
-          <p:cNvPr id="49" name="CaixaDeTexto 48"/>
-          <p:cNvSpPr txBox="1"/>
-          <p:nvPr/>
-        </p:nvSpPr>
-        <p:spPr>
-          <a:xfrm>
-            <a:off x="6192938" y="2200508"/>
-            <a:ext cx="1671688" cy="307777"/>
-          </a:xfrm>
-          <a:prstGeom prst="rect">
-            <a:avLst/>
-          </a:prstGeom>
-          <a:noFill/>
-        </p:spPr>
-        <p:txBody>
-          <a:bodyPr wrap="square" rtlCol="0">
-            <a:spAutoFit/>
-          </a:bodyPr>
-          <a:lstStyle/>
-          <a:p>
-            <a:r>
-              <a:rPr lang="pt-BR" sz="1400" dirty="0" smtClean="0"/>
-              <a:t>HOST CLASS</a:t>
-            </a:r>
-            <a:endParaRPr lang="pt-BR" sz="1400" dirty="0"/>
-          </a:p>
-        </p:txBody>
-      </p:sp>
-      <p:sp>
-        <p:nvSpPr>
-          <p:cNvPr id="52" name="Retângulo 51"/>
+            <a:endParaRPr lang="pt-BR">
+              <a:solidFill>
+                <a:schemeClr val="tx1"/>
+              </a:solidFill>
+            </a:endParaRPr>
+          </a:p>
+        </p:txBody>
+      </p:sp>
+      <p:sp>
+        <p:nvSpPr>
+          <p:cNvPr id="89" name="Seta dobrada 88"/>
           <p:cNvSpPr/>
           <p:nvPr/>
         </p:nvSpPr>
         <p:spPr>
-          <a:xfrm>
-            <a:off x="8032961" y="2529752"/>
-            <a:ext cx="1087945" cy="1724388"/>
-          </a:xfrm>
-          <a:prstGeom prst="rect">
-            <a:avLst/>
-          </a:prstGeom>
-          <a:noFill/>
+          <a:xfrm rot="5400000">
+            <a:off x="8309527" y="3929597"/>
+            <a:ext cx="248784" cy="1479911"/>
+          </a:xfrm>
+          <a:prstGeom prst="bentArrow">
+            <a:avLst/>
+          </a:prstGeom>
         </p:spPr>
         <p:style>
           <a:lnRef idx="2">
@@ -8105,26 +7802,28 @@
           <a:lstStyle/>
           <a:p>
             <a:pPr algn="ctr"/>
-            <a:r>
-              <a:rPr lang="pt-BR" dirty="0" smtClean="0"/>
-              <a:t>V</a:t>
-            </a:r>
-            <a:endParaRPr lang="pt-BR" dirty="0"/>
-          </a:p>
-        </p:txBody>
-      </p:sp>
-      <p:sp>
-        <p:nvSpPr>
-          <p:cNvPr id="55" name="Seta para baixo 54"/>
-          <p:cNvSpPr/>
-          <p:nvPr/>
-        </p:nvSpPr>
-        <p:spPr>
-          <a:xfrm flipH="1">
-            <a:off x="7655120" y="4438075"/>
-            <a:ext cx="158787" cy="210182"/>
-          </a:xfrm>
-          <a:prstGeom prst="downArrow">
+            <a:endParaRPr lang="pt-BR">
+              <a:solidFill>
+                <a:schemeClr val="tx1"/>
+              </a:solidFill>
+            </a:endParaRPr>
+          </a:p>
+        </p:txBody>
+      </p:sp>
+      <p:sp>
+        <p:nvSpPr>
+          <p:cNvPr id="90" name="Seta dobrada 89"/>
+          <p:cNvSpPr>
+            <a:spLocks/>
+          </p:cNvSpPr>
+          <p:nvPr/>
+        </p:nvSpPr>
+        <p:spPr>
+          <a:xfrm rot="5400000">
+            <a:off x="7169879" y="4016229"/>
+            <a:ext cx="248784" cy="1305527"/>
+          </a:xfrm>
+          <a:prstGeom prst="bentArrow">
             <a:avLst/>
           </a:prstGeom>
         </p:spPr>
@@ -8149,24 +7848,70 @@
           <a:lstStyle/>
           <a:p>
             <a:pPr algn="ctr"/>
-            <a:endParaRPr lang="pt-BR"/>
-          </a:p>
-        </p:txBody>
-      </p:sp>
-      <p:sp>
-        <p:nvSpPr>
-          <p:cNvPr id="56" name="Seta para baixo 55"/>
+            <a:endParaRPr lang="pt-BR">
+              <a:solidFill>
+                <a:schemeClr val="tx1"/>
+              </a:solidFill>
+            </a:endParaRPr>
+          </a:p>
+        </p:txBody>
+      </p:sp>
+      <p:sp>
+        <p:nvSpPr>
+          <p:cNvPr id="60" name="CaixaDeTexto 59"/>
+          <p:cNvSpPr txBox="1"/>
+          <p:nvPr/>
+        </p:nvSpPr>
+        <p:spPr>
+          <a:xfrm>
+            <a:off x="8104775" y="2795129"/>
+            <a:ext cx="1283040" cy="400110"/>
+          </a:xfrm>
+          <a:prstGeom prst="rect">
+            <a:avLst/>
+          </a:prstGeom>
+          <a:noFill/>
+        </p:spPr>
+        <p:txBody>
+          <a:bodyPr wrap="square" rtlCol="0">
+            <a:spAutoFit/>
+          </a:bodyPr>
+          <a:lstStyle/>
+          <a:p>
+            <a:r>
+              <a:rPr lang="pt-BR" sz="1000" dirty="0" err="1" smtClean="0"/>
+              <a:t>Sends</a:t>
+            </a:r>
+            <a:r>
+              <a:rPr lang="pt-BR" sz="1000" dirty="0" smtClean="0"/>
+              <a:t> </a:t>
+            </a:r>
+            <a:endParaRPr lang="pt-BR" sz="1000" dirty="0" smtClean="0"/>
+          </a:p>
+          <a:p>
+            <a:r>
+              <a:rPr lang="pt-BR" sz="1000" dirty="0" smtClean="0"/>
+              <a:t>response</a:t>
+            </a:r>
+            <a:endParaRPr lang="pt-BR" sz="1000" dirty="0" smtClean="0"/>
+          </a:p>
+        </p:txBody>
+      </p:sp>
+      <p:sp>
+        <p:nvSpPr>
+          <p:cNvPr id="75" name="Retângulo 74"/>
           <p:cNvSpPr/>
           <p:nvPr/>
         </p:nvSpPr>
         <p:spPr>
-          <a:xfrm rot="16200000" flipH="1">
-            <a:off x="4259725" y="3069496"/>
-            <a:ext cx="158787" cy="210182"/>
-          </a:xfrm>
-          <a:prstGeom prst="downArrow">
-            <a:avLst/>
-          </a:prstGeom>
+          <a:xfrm>
+            <a:off x="9767648" y="4864321"/>
+            <a:ext cx="988019" cy="741342"/>
+          </a:xfrm>
+          <a:prstGeom prst="rect">
+            <a:avLst/>
+          </a:prstGeom>
+          <a:noFill/>
         </p:spPr>
         <p:style>
           <a:lnRef idx="2">
@@ -8195,14 +7940,50 @@
       </p:sp>
       <p:sp>
         <p:nvSpPr>
-          <p:cNvPr id="58" name="Seta para baixo 57"/>
+          <p:cNvPr id="80" name="CaixaDeTexto 79"/>
+          <p:cNvSpPr txBox="1"/>
+          <p:nvPr/>
+        </p:nvSpPr>
+        <p:spPr>
+          <a:xfrm>
+            <a:off x="9756736" y="4777680"/>
+            <a:ext cx="1108267" cy="923330"/>
+          </a:xfrm>
+          <a:prstGeom prst="rect">
+            <a:avLst/>
+          </a:prstGeom>
+          <a:noFill/>
+        </p:spPr>
+        <p:txBody>
+          <a:bodyPr wrap="square" rtlCol="0">
+            <a:spAutoFit/>
+          </a:bodyPr>
+          <a:lstStyle/>
+          <a:p>
+            <a:r>
+              <a:rPr lang="pt-BR" dirty="0" smtClean="0"/>
+              <a:t>FILE HANDLER</a:t>
+            </a:r>
+          </a:p>
+          <a:p>
+            <a:r>
+              <a:rPr lang="pt-BR" dirty="0" smtClean="0"/>
+              <a:t>CLASS</a:t>
+            </a:r>
+            <a:endParaRPr lang="pt-BR" dirty="0"/>
+          </a:p>
+        </p:txBody>
+      </p:sp>
+      <p:sp>
+        <p:nvSpPr>
+          <p:cNvPr id="56" name="Seta para baixo 55"/>
           <p:cNvSpPr/>
           <p:nvPr/>
         </p:nvSpPr>
         <p:spPr>
-          <a:xfrm rot="16200000" flipH="1">
-            <a:off x="5954303" y="3064598"/>
-            <a:ext cx="158787" cy="210182"/>
+          <a:xfrm flipH="1">
+            <a:off x="8049003" y="2852986"/>
+            <a:ext cx="149278" cy="1672298"/>
           </a:xfrm>
           <a:prstGeom prst="downArrow">
             <a:avLst/>
@@ -8229,20 +8010,20 @@
           <a:lstStyle/>
           <a:p>
             <a:pPr algn="ctr"/>
-            <a:endParaRPr lang="pt-BR" dirty="0"/>
-          </a:p>
-        </p:txBody>
-      </p:sp>
-      <p:sp>
-        <p:nvSpPr>
-          <p:cNvPr id="60" name="CaixaDeTexto 59"/>
+            <a:endParaRPr lang="pt-BR"/>
+          </a:p>
+        </p:txBody>
+      </p:sp>
+      <p:sp>
+        <p:nvSpPr>
+          <p:cNvPr id="57" name="CaixaDeTexto 56"/>
           <p:cNvSpPr txBox="1"/>
           <p:nvPr/>
         </p:nvSpPr>
         <p:spPr>
           <a:xfrm>
-            <a:off x="4600282" y="2672449"/>
-            <a:ext cx="1444490" cy="307777"/>
+            <a:off x="7397410" y="2801724"/>
+            <a:ext cx="962562" cy="400110"/>
           </a:xfrm>
           <a:prstGeom prst="rect">
             <a:avLst/>
@@ -8256,58 +8037,37 @@
           <a:lstStyle/>
           <a:p>
             <a:r>
-              <a:rPr lang="pt-BR" sz="1400" dirty="0" smtClean="0"/>
-              <a:t>INSTANTIATE</a:t>
-            </a:r>
-            <a:endParaRPr lang="pt-BR" sz="1400" dirty="0"/>
-          </a:p>
-        </p:txBody>
-      </p:sp>
-      <p:sp>
-        <p:nvSpPr>
-          <p:cNvPr id="61" name="CaixaDeTexto 60"/>
-          <p:cNvSpPr txBox="1"/>
-          <p:nvPr/>
-        </p:nvSpPr>
-        <p:spPr>
-          <a:xfrm>
-            <a:off x="4651958" y="3397312"/>
-            <a:ext cx="1444490" cy="307777"/>
-          </a:xfrm>
-          <a:prstGeom prst="rect">
-            <a:avLst/>
-          </a:prstGeom>
-          <a:noFill/>
-        </p:spPr>
-        <p:txBody>
-          <a:bodyPr wrap="square" rtlCol="0">
-            <a:spAutoFit/>
-          </a:bodyPr>
-          <a:lstStyle/>
-          <a:p>
-            <a:r>
-              <a:rPr lang="pt-BR" sz="1400" dirty="0" smtClean="0"/>
-              <a:t>CONFIGURE</a:t>
-            </a:r>
-            <a:endParaRPr lang="pt-BR" sz="1400" dirty="0"/>
-          </a:p>
-        </p:txBody>
-      </p:sp>
-      <p:sp>
-        <p:nvSpPr>
-          <p:cNvPr id="71" name="Retângulo 70"/>
+              <a:rPr lang="pt-BR" sz="1000" dirty="0" err="1" smtClean="0"/>
+              <a:t>Get</a:t>
+            </a:r>
+            <a:r>
+              <a:rPr lang="pt-BR" sz="1000" dirty="0" smtClean="0"/>
+              <a:t> </a:t>
+            </a:r>
+          </a:p>
+          <a:p>
+            <a:r>
+              <a:rPr lang="pt-BR" sz="1000" dirty="0" err="1" smtClean="0"/>
+              <a:t>request</a:t>
+            </a:r>
+            <a:endParaRPr lang="pt-BR" sz="1000" dirty="0"/>
+          </a:p>
+        </p:txBody>
+      </p:sp>
+      <p:sp>
+        <p:nvSpPr>
+          <p:cNvPr id="58" name="Seta para baixo 57"/>
           <p:cNvSpPr/>
           <p:nvPr/>
         </p:nvSpPr>
         <p:spPr>
-          <a:xfrm>
-            <a:off x="6326380" y="2529751"/>
-            <a:ext cx="1388041" cy="1724389"/>
-          </a:xfrm>
-          <a:prstGeom prst="rect">
-            <a:avLst/>
-          </a:prstGeom>
-          <a:noFill/>
+          <a:xfrm flipH="1">
+            <a:off x="9511053" y="2846679"/>
+            <a:ext cx="149278" cy="301372"/>
+          </a:xfrm>
+          <a:prstGeom prst="downArrow">
+            <a:avLst/>
+          </a:prstGeom>
         </p:spPr>
         <p:style>
           <a:lnRef idx="2">
@@ -8336,44 +8096,14 @@
       </p:sp>
       <p:sp>
         <p:nvSpPr>
-          <p:cNvPr id="72" name="CaixaDeTexto 71"/>
-          <p:cNvSpPr txBox="1"/>
-          <p:nvPr/>
-        </p:nvSpPr>
-        <p:spPr>
-          <a:xfrm>
-            <a:off x="6326381" y="2485743"/>
-            <a:ext cx="1671688" cy="307777"/>
-          </a:xfrm>
-          <a:prstGeom prst="rect">
-            <a:avLst/>
-          </a:prstGeom>
-          <a:noFill/>
-        </p:spPr>
-        <p:txBody>
-          <a:bodyPr wrap="square" rtlCol="0">
-            <a:spAutoFit/>
-          </a:bodyPr>
-          <a:lstStyle/>
-          <a:p>
-            <a:r>
-              <a:rPr lang="pt-BR" sz="1400" dirty="0" smtClean="0"/>
-              <a:t>COMPOSE CLASS</a:t>
-            </a:r>
-            <a:endParaRPr lang="pt-BR" sz="1400" dirty="0"/>
-          </a:p>
-        </p:txBody>
-      </p:sp>
-      <p:sp>
-        <p:nvSpPr>
-          <p:cNvPr id="73" name="Retângulo 72"/>
+          <p:cNvPr id="83" name="Retângulo 82"/>
           <p:cNvSpPr/>
           <p:nvPr/>
         </p:nvSpPr>
         <p:spPr>
           <a:xfrm>
-            <a:off x="6424893" y="2921739"/>
-            <a:ext cx="1165507" cy="449852"/>
+            <a:off x="5524253" y="3173563"/>
+            <a:ext cx="2207425" cy="1192044"/>
           </a:xfrm>
           <a:prstGeom prst="rect">
             <a:avLst/>
@@ -8407,14 +8137,14 @@
       </p:sp>
       <p:sp>
         <p:nvSpPr>
-          <p:cNvPr id="74" name="CaixaDeTexto 73"/>
+          <p:cNvPr id="84" name="CaixaDeTexto 83"/>
           <p:cNvSpPr txBox="1"/>
           <p:nvPr/>
         </p:nvSpPr>
         <p:spPr>
           <a:xfrm>
-            <a:off x="6440043" y="2965748"/>
-            <a:ext cx="1230366" cy="369332"/>
+            <a:off x="5674593" y="3600493"/>
+            <a:ext cx="2430181" cy="369332"/>
           </a:xfrm>
           <a:prstGeom prst="rect">
             <a:avLst/>
@@ -8429,7 +8159,7 @@
           <a:p>
             <a:r>
               <a:rPr lang="pt-BR" dirty="0" smtClean="0"/>
-              <a:t>GENERATE</a:t>
+              <a:t>ANSIBLE MODULE</a:t>
             </a:r>
             <a:endParaRPr lang="pt-BR" dirty="0"/>
           </a:p>
@@ -8437,19 +8167,18 @@
       </p:sp>
       <p:sp>
         <p:nvSpPr>
-          <p:cNvPr id="75" name="Retângulo 74"/>
+          <p:cNvPr id="86" name="Seta para baixo 85"/>
           <p:cNvSpPr/>
           <p:nvPr/>
         </p:nvSpPr>
         <p:spPr>
-          <a:xfrm>
-            <a:off x="6434614" y="3637926"/>
-            <a:ext cx="1165507" cy="449852"/>
-          </a:xfrm>
-          <a:prstGeom prst="rect">
-            <a:avLst/>
-          </a:prstGeom>
-          <a:noFill/>
+          <a:xfrm rot="10800000" flipH="1">
+            <a:off x="6535486" y="2836745"/>
+            <a:ext cx="149278" cy="301372"/>
+          </a:xfrm>
+          <a:prstGeom prst="downArrow">
+            <a:avLst/>
+          </a:prstGeom>
         </p:spPr>
         <p:style>
           <a:lnRef idx="2">
@@ -8478,44 +8207,14 @@
       </p:sp>
       <p:sp>
         <p:nvSpPr>
-          <p:cNvPr id="76" name="CaixaDeTexto 75"/>
-          <p:cNvSpPr txBox="1"/>
-          <p:nvPr/>
-        </p:nvSpPr>
-        <p:spPr>
-          <a:xfrm>
-            <a:off x="6449764" y="3681935"/>
-            <a:ext cx="1230366" cy="369332"/>
-          </a:xfrm>
-          <a:prstGeom prst="rect">
-            <a:avLst/>
-          </a:prstGeom>
-          <a:noFill/>
-        </p:spPr>
-        <p:txBody>
-          <a:bodyPr wrap="square" rtlCol="0">
-            <a:spAutoFit/>
-          </a:bodyPr>
-          <a:lstStyle/>
-          <a:p>
-            <a:r>
-              <a:rPr lang="pt-BR" dirty="0" smtClean="0"/>
-              <a:t>CREATE</a:t>
-            </a:r>
-            <a:endParaRPr lang="pt-BR" dirty="0"/>
-          </a:p>
-        </p:txBody>
-      </p:sp>
-      <p:sp>
-        <p:nvSpPr>
-          <p:cNvPr id="77" name="Seta para baixo 76"/>
+          <p:cNvPr id="93" name="Seta para baixo 92"/>
           <p:cNvSpPr/>
           <p:nvPr/>
         </p:nvSpPr>
         <p:spPr>
           <a:xfrm flipH="1">
-            <a:off x="6926787" y="3399667"/>
-            <a:ext cx="158787" cy="210182"/>
+            <a:off x="6366124" y="2840842"/>
+            <a:ext cx="149278" cy="301372"/>
           </a:xfrm>
           <a:prstGeom prst="downArrow">
             <a:avLst/>
@@ -8548,14 +8247,14 @@
       </p:sp>
       <p:sp>
         <p:nvSpPr>
-          <p:cNvPr id="85" name="CaixaDeTexto 84"/>
+          <p:cNvPr id="95" name="CaixaDeTexto 94"/>
           <p:cNvSpPr txBox="1"/>
           <p:nvPr/>
         </p:nvSpPr>
         <p:spPr>
           <a:xfrm>
-            <a:off x="8049621" y="3106000"/>
-            <a:ext cx="1444490" cy="523220"/>
+            <a:off x="9739131" y="2807829"/>
+            <a:ext cx="1283040" cy="400110"/>
           </a:xfrm>
           <a:prstGeom prst="rect">
             <a:avLst/>
@@ -8569,25 +8268,157 @@
           <a:lstStyle/>
           <a:p>
             <a:r>
-              <a:rPr lang="pt-BR" sz="1400" dirty="0" smtClean="0"/>
-              <a:t>CONFIGURE HOST</a:t>
-            </a:r>
-            <a:endParaRPr lang="pt-BR" sz="1400" dirty="0"/>
-          </a:p>
-        </p:txBody>
-      </p:sp>
-      <p:sp>
-        <p:nvSpPr>
-          <p:cNvPr id="86" name="Seta para baixo 85"/>
+              <a:rPr lang="pt-BR" sz="1000" dirty="0" err="1" smtClean="0"/>
+              <a:t>Sends</a:t>
+            </a:r>
+            <a:r>
+              <a:rPr lang="pt-BR" sz="1000" dirty="0" smtClean="0"/>
+              <a:t> </a:t>
+            </a:r>
+            <a:endParaRPr lang="pt-BR" sz="1000" dirty="0" smtClean="0"/>
+          </a:p>
+          <a:p>
+            <a:r>
+              <a:rPr lang="pt-BR" sz="1000" dirty="0" smtClean="0"/>
+              <a:t>response</a:t>
+            </a:r>
+            <a:endParaRPr lang="pt-BR" sz="1000" dirty="0" smtClean="0"/>
+          </a:p>
+        </p:txBody>
+      </p:sp>
+      <p:sp>
+        <p:nvSpPr>
+          <p:cNvPr id="96" name="CaixaDeTexto 95"/>
+          <p:cNvSpPr txBox="1"/>
+          <p:nvPr/>
+        </p:nvSpPr>
+        <p:spPr>
+          <a:xfrm>
+            <a:off x="9031766" y="2814424"/>
+            <a:ext cx="962562" cy="400110"/>
+          </a:xfrm>
+          <a:prstGeom prst="rect">
+            <a:avLst/>
+          </a:prstGeom>
+          <a:noFill/>
+        </p:spPr>
+        <p:txBody>
+          <a:bodyPr wrap="square" rtlCol="0">
+            <a:spAutoFit/>
+          </a:bodyPr>
+          <a:lstStyle/>
+          <a:p>
+            <a:r>
+              <a:rPr lang="pt-BR" sz="1000" dirty="0" err="1" smtClean="0"/>
+              <a:t>Get</a:t>
+            </a:r>
+            <a:r>
+              <a:rPr lang="pt-BR" sz="1000" dirty="0" smtClean="0"/>
+              <a:t> </a:t>
+            </a:r>
+          </a:p>
+          <a:p>
+            <a:r>
+              <a:rPr lang="pt-BR" sz="1000" dirty="0" err="1" smtClean="0"/>
+              <a:t>request</a:t>
+            </a:r>
+            <a:endParaRPr lang="pt-BR" sz="1000" dirty="0"/>
+          </a:p>
+        </p:txBody>
+      </p:sp>
+      <p:sp>
+        <p:nvSpPr>
+          <p:cNvPr id="97" name="CaixaDeTexto 96"/>
+          <p:cNvSpPr txBox="1"/>
+          <p:nvPr/>
+        </p:nvSpPr>
+        <p:spPr>
+          <a:xfrm>
+            <a:off x="6616078" y="2814078"/>
+            <a:ext cx="1283040" cy="400110"/>
+          </a:xfrm>
+          <a:prstGeom prst="rect">
+            <a:avLst/>
+          </a:prstGeom>
+          <a:noFill/>
+        </p:spPr>
+        <p:txBody>
+          <a:bodyPr wrap="square" rtlCol="0">
+            <a:spAutoFit/>
+          </a:bodyPr>
+          <a:lstStyle/>
+          <a:p>
+            <a:r>
+              <a:rPr lang="pt-BR" sz="1000" dirty="0" err="1" smtClean="0"/>
+              <a:t>Sends</a:t>
+            </a:r>
+            <a:r>
+              <a:rPr lang="pt-BR" sz="1000" dirty="0" smtClean="0"/>
+              <a:t> </a:t>
+            </a:r>
+            <a:endParaRPr lang="pt-BR" sz="1000" dirty="0" smtClean="0"/>
+          </a:p>
+          <a:p>
+            <a:r>
+              <a:rPr lang="pt-BR" sz="1000" dirty="0" smtClean="0"/>
+              <a:t>response</a:t>
+            </a:r>
+            <a:endParaRPr lang="pt-BR" sz="1000" dirty="0" smtClean="0"/>
+          </a:p>
+        </p:txBody>
+      </p:sp>
+      <p:sp>
+        <p:nvSpPr>
+          <p:cNvPr id="98" name="CaixaDeTexto 97"/>
+          <p:cNvSpPr txBox="1"/>
+          <p:nvPr/>
+        </p:nvSpPr>
+        <p:spPr>
+          <a:xfrm>
+            <a:off x="5908713" y="2820673"/>
+            <a:ext cx="962562" cy="400110"/>
+          </a:xfrm>
+          <a:prstGeom prst="rect">
+            <a:avLst/>
+          </a:prstGeom>
+          <a:noFill/>
+        </p:spPr>
+        <p:txBody>
+          <a:bodyPr wrap="square" rtlCol="0">
+            <a:spAutoFit/>
+          </a:bodyPr>
+          <a:lstStyle/>
+          <a:p>
+            <a:r>
+              <a:rPr lang="pt-BR" sz="1000" dirty="0" err="1" smtClean="0"/>
+              <a:t>Get</a:t>
+            </a:r>
+            <a:r>
+              <a:rPr lang="pt-BR" sz="1000" dirty="0" smtClean="0"/>
+              <a:t> </a:t>
+            </a:r>
+          </a:p>
+          <a:p>
+            <a:r>
+              <a:rPr lang="pt-BR" sz="1000" dirty="0" err="1" smtClean="0"/>
+              <a:t>request</a:t>
+            </a:r>
+            <a:endParaRPr lang="pt-BR" sz="1000" dirty="0"/>
+          </a:p>
+        </p:txBody>
+      </p:sp>
+      <p:sp>
+        <p:nvSpPr>
+          <p:cNvPr id="2" name="Fluxograma: Processo alternativo 1"/>
           <p:cNvSpPr/>
           <p:nvPr/>
         </p:nvSpPr>
         <p:spPr>
-          <a:xfrm rot="16200000" flipH="1">
-            <a:off x="7789614" y="3075404"/>
-            <a:ext cx="158787" cy="210182"/>
-          </a:xfrm>
-          <a:prstGeom prst="downArrow">
+          <a:xfrm>
+            <a:off x="3881942" y="3366880"/>
+            <a:ext cx="1026835" cy="862622"/>
+          </a:xfrm>
+          <a:prstGeom prst="flowChartAlternateProcess">
             <a:avLst/>
           </a:prstGeom>
         </p:spPr>
@@ -8612,20 +8443,24 @@
           <a:lstStyle/>
           <a:p>
             <a:pPr algn="ctr"/>
-            <a:endParaRPr lang="pt-BR"/>
-          </a:p>
-        </p:txBody>
-      </p:sp>
-      <p:sp>
-        <p:nvSpPr>
-          <p:cNvPr id="45" name="Seta para baixo 44"/>
+            <a:r>
+              <a:rPr lang="pt-BR" dirty="0" err="1" smtClean="0"/>
+              <a:t>Ansible</a:t>
+            </a:r>
+            <a:endParaRPr lang="pt-BR" dirty="0"/>
+          </a:p>
+        </p:txBody>
+      </p:sp>
+      <p:sp>
+        <p:nvSpPr>
+          <p:cNvPr id="99" name="Seta para baixo 98"/>
           <p:cNvSpPr/>
           <p:nvPr/>
         </p:nvSpPr>
         <p:spPr>
-          <a:xfrm rot="16200000" flipH="1">
-            <a:off x="9342671" y="3059449"/>
-            <a:ext cx="158787" cy="210182"/>
+          <a:xfrm rot="5400000" flipH="1">
+            <a:off x="5164611" y="3561648"/>
+            <a:ext cx="149278" cy="432800"/>
           </a:xfrm>
           <a:prstGeom prst="downArrow">
             <a:avLst/>
@@ -8652,20 +8487,20 @@
           <a:lstStyle/>
           <a:p>
             <a:pPr algn="ctr"/>
-            <a:endParaRPr lang="pt-BR" dirty="0"/>
-          </a:p>
-        </p:txBody>
-      </p:sp>
-      <p:sp>
-        <p:nvSpPr>
-          <p:cNvPr id="50" name="Retângulo 49"/>
+            <a:endParaRPr lang="pt-BR"/>
+          </a:p>
+        </p:txBody>
+      </p:sp>
+      <p:sp>
+        <p:nvSpPr>
+          <p:cNvPr id="100" name="Retângulo 99"/>
           <p:cNvSpPr/>
           <p:nvPr/>
         </p:nvSpPr>
         <p:spPr>
           <a:xfrm>
-            <a:off x="9604126" y="2205488"/>
-            <a:ext cx="1388041" cy="2131667"/>
+            <a:off x="633091" y="1382391"/>
+            <a:ext cx="2518702" cy="4646934"/>
           </a:xfrm>
           <a:prstGeom prst="rect">
             <a:avLst/>
@@ -8693,20 +8528,20 @@
           <a:lstStyle/>
           <a:p>
             <a:pPr algn="ctr"/>
-            <a:endParaRPr lang="pt-BR" dirty="0"/>
-          </a:p>
-        </p:txBody>
-      </p:sp>
-      <p:sp>
-        <p:nvSpPr>
-          <p:cNvPr id="51" name="CaixaDeTexto 50"/>
+            <a:endParaRPr lang="pt-BR"/>
+          </a:p>
+        </p:txBody>
+      </p:sp>
+      <p:sp>
+        <p:nvSpPr>
+          <p:cNvPr id="101" name="CaixaDeTexto 100"/>
           <p:cNvSpPr txBox="1"/>
           <p:nvPr/>
         </p:nvSpPr>
         <p:spPr>
           <a:xfrm>
-            <a:off x="9604127" y="2161480"/>
-            <a:ext cx="1671688" cy="307777"/>
+            <a:off x="659353" y="1391503"/>
+            <a:ext cx="2017504" cy="369332"/>
           </a:xfrm>
           <a:prstGeom prst="rect">
             <a:avLst/>
@@ -8720,23 +8555,23 @@
           <a:lstStyle/>
           <a:p>
             <a:r>
-              <a:rPr lang="pt-BR" sz="1400" dirty="0" smtClean="0"/>
-              <a:t>LINK CLASS</a:t>
-            </a:r>
-            <a:endParaRPr lang="pt-BR" sz="1400" dirty="0"/>
-          </a:p>
-        </p:txBody>
-      </p:sp>
-      <p:sp>
-        <p:nvSpPr>
-          <p:cNvPr id="57" name="Retângulo 56"/>
+              <a:rPr lang="pt-BR" dirty="0" smtClean="0"/>
+              <a:t>SERVER1</a:t>
+            </a:r>
+            <a:endParaRPr lang="pt-BR" dirty="0"/>
+          </a:p>
+        </p:txBody>
+      </p:sp>
+      <p:sp>
+        <p:nvSpPr>
+          <p:cNvPr id="102" name="Retângulo 101"/>
           <p:cNvSpPr/>
           <p:nvPr/>
         </p:nvSpPr>
         <p:spPr>
           <a:xfrm>
-            <a:off x="9712360" y="2949770"/>
-            <a:ext cx="1165507" cy="449852"/>
+            <a:off x="814408" y="2267858"/>
+            <a:ext cx="2217682" cy="3337805"/>
           </a:xfrm>
           <a:prstGeom prst="rect">
             <a:avLst/>
@@ -8770,14 +8605,14 @@
       </p:sp>
       <p:sp>
         <p:nvSpPr>
-          <p:cNvPr id="63" name="CaixaDeTexto 62"/>
+          <p:cNvPr id="103" name="CaixaDeTexto 102"/>
           <p:cNvSpPr txBox="1"/>
           <p:nvPr/>
         </p:nvSpPr>
         <p:spPr>
           <a:xfrm>
-            <a:off x="9769899" y="3052081"/>
-            <a:ext cx="1444490" cy="307777"/>
+            <a:off x="1515724" y="3562471"/>
+            <a:ext cx="1381732" cy="707886"/>
           </a:xfrm>
           <a:prstGeom prst="rect">
             <a:avLst/>
@@ -8791,23 +8626,23 @@
           <a:lstStyle/>
           <a:p>
             <a:r>
-              <a:rPr lang="pt-BR" sz="1400" dirty="0" smtClean="0"/>
-              <a:t>CONFIGURE</a:t>
-            </a:r>
-            <a:endParaRPr lang="pt-BR" sz="1400" dirty="0"/>
-          </a:p>
-        </p:txBody>
-      </p:sp>
-      <p:sp>
-        <p:nvSpPr>
-          <p:cNvPr id="64" name="Seta para baixo 63"/>
+              <a:rPr lang="pt-BR" sz="4000" dirty="0" smtClean="0"/>
+              <a:t>LST</a:t>
+            </a:r>
+            <a:endParaRPr lang="pt-BR" sz="4000" dirty="0"/>
+          </a:p>
+        </p:txBody>
+      </p:sp>
+      <p:sp>
+        <p:nvSpPr>
+          <p:cNvPr id="106" name="Seta para baixo 105"/>
           <p:cNvSpPr/>
           <p:nvPr/>
         </p:nvSpPr>
         <p:spPr>
-          <a:xfrm flipH="1">
-            <a:off x="10205083" y="4414158"/>
-            <a:ext cx="158787" cy="210182"/>
+          <a:xfrm rot="5400000" flipH="1">
+            <a:off x="3472352" y="3603406"/>
+            <a:ext cx="149278" cy="389570"/>
           </a:xfrm>
           <a:prstGeom prst="downArrow">
             <a:avLst/>
@@ -8841,329 +8676,20 @@
     </p:spTree>
     <p:extLst>
       <p:ext uri="{BB962C8B-B14F-4D97-AF65-F5344CB8AC3E}">
-        <p14:creationId xmlns:p14="http://schemas.microsoft.com/office/powerpoint/2010/main" val="2308514112"/>
+        <p14:creationId xmlns:p14="http://schemas.microsoft.com/office/powerpoint/2010/main" val="4198923634"/>
       </p:ext>
     </p:extLst>
   </p:cSld>
   <p:clrMapOvr>
     <a:masterClrMapping/>
   </p:clrMapOvr>
-</p:sld>
-</file>
-
-<file path=ppt/slides/slide4.xml><?xml version="1.0" encoding="utf-8"?>
-<p:sld xmlns:a="http://schemas.openxmlformats.org/drawingml/2006/main" xmlns:r="http://schemas.openxmlformats.org/officeDocument/2006/relationships" xmlns:p="http://schemas.openxmlformats.org/presentationml/2006/main">
-  <p:cSld>
-    <p:spTree>
-      <p:nvGrpSpPr>
-        <p:cNvPr id="1" name=""/>
-        <p:cNvGrpSpPr/>
-        <p:nvPr/>
-      </p:nvGrpSpPr>
-      <p:grpSpPr>
-        <a:xfrm>
-          <a:off x="0" y="0"/>
-          <a:ext cx="0" cy="0"/>
-          <a:chOff x="0" y="0"/>
-          <a:chExt cx="0" cy="0"/>
-        </a:xfrm>
-      </p:grpSpPr>
-      <p:sp>
-        <p:nvSpPr>
-          <p:cNvPr id="4" name="Retângulo 3"/>
-          <p:cNvSpPr/>
-          <p:nvPr/>
-        </p:nvSpPr>
-        <p:spPr>
-          <a:xfrm>
-            <a:off x="2070468" y="961418"/>
-            <a:ext cx="7876614" cy="4548836"/>
-          </a:xfrm>
-          <a:prstGeom prst="rect">
-            <a:avLst/>
-          </a:prstGeom>
-          <a:noFill/>
-        </p:spPr>
-        <p:style>
-          <a:lnRef idx="2">
-            <a:schemeClr val="accent1">
-              <a:shade val="50000"/>
-            </a:schemeClr>
-          </a:lnRef>
-          <a:fillRef idx="1">
-            <a:schemeClr val="accent1"/>
-          </a:fillRef>
-          <a:effectRef idx="0">
-            <a:schemeClr val="accent1"/>
-          </a:effectRef>
-          <a:fontRef idx="minor">
-            <a:schemeClr val="lt1"/>
-          </a:fontRef>
-        </p:style>
-        <p:txBody>
-          <a:bodyPr rtlCol="0" anchor="ctr"/>
-          <a:lstStyle/>
-          <a:p>
-            <a:pPr algn="ctr"/>
-            <a:endParaRPr lang="pt-BR"/>
-          </a:p>
-        </p:txBody>
-      </p:sp>
-      <p:sp>
-        <p:nvSpPr>
-          <p:cNvPr id="5" name="CaixaDeTexto 4"/>
-          <p:cNvSpPr txBox="1"/>
-          <p:nvPr/>
-        </p:nvSpPr>
-        <p:spPr>
-          <a:xfrm>
-            <a:off x="2070465" y="956438"/>
-            <a:ext cx="2557193" cy="523220"/>
-          </a:xfrm>
-          <a:prstGeom prst="rect">
-            <a:avLst/>
-          </a:prstGeom>
-          <a:noFill/>
-        </p:spPr>
-        <p:txBody>
-          <a:bodyPr wrap="square" rtlCol="0">
-            <a:spAutoFit/>
-          </a:bodyPr>
-          <a:lstStyle/>
-          <a:p>
-            <a:r>
-              <a:rPr lang="pt-BR" sz="1400" dirty="0" smtClean="0"/>
-              <a:t>REPORT GENERATOR CLASS</a:t>
-            </a:r>
-          </a:p>
-          <a:p>
-            <a:endParaRPr lang="pt-BR" sz="1400" dirty="0"/>
-          </a:p>
-        </p:txBody>
-      </p:sp>
-      <p:sp>
-        <p:nvSpPr>
-          <p:cNvPr id="6" name="Retângulo 5"/>
-          <p:cNvSpPr/>
-          <p:nvPr/>
-        </p:nvSpPr>
-        <p:spPr>
-          <a:xfrm>
-            <a:off x="2332836" y="1766054"/>
-            <a:ext cx="3081117" cy="3100144"/>
-          </a:xfrm>
-          <a:prstGeom prst="rect">
-            <a:avLst/>
-          </a:prstGeom>
-          <a:noFill/>
-        </p:spPr>
-        <p:style>
-          <a:lnRef idx="2">
-            <a:schemeClr val="accent1">
-              <a:shade val="50000"/>
-            </a:schemeClr>
-          </a:lnRef>
-          <a:fillRef idx="1">
-            <a:schemeClr val="accent1"/>
-          </a:fillRef>
-          <a:effectRef idx="0">
-            <a:schemeClr val="accent1"/>
-          </a:effectRef>
-          <a:fontRef idx="minor">
-            <a:schemeClr val="lt1"/>
-          </a:fontRef>
-        </p:style>
-        <p:txBody>
-          <a:bodyPr rtlCol="0" anchor="ctr"/>
-          <a:lstStyle/>
-          <a:p>
-            <a:pPr algn="ctr"/>
-            <a:r>
-              <a:rPr lang="pt-BR" dirty="0" smtClean="0"/>
-              <a:t>V</a:t>
-            </a:r>
-            <a:endParaRPr lang="pt-BR" dirty="0"/>
-          </a:p>
-        </p:txBody>
-      </p:sp>
-      <p:sp>
-        <p:nvSpPr>
-          <p:cNvPr id="7" name="CaixaDeTexto 6"/>
-          <p:cNvSpPr txBox="1"/>
-          <p:nvPr/>
-        </p:nvSpPr>
-        <p:spPr>
-          <a:xfrm>
-            <a:off x="2411297" y="1872610"/>
-            <a:ext cx="1139529" cy="1169551"/>
-          </a:xfrm>
-          <a:prstGeom prst="rect">
-            <a:avLst/>
-          </a:prstGeom>
-          <a:noFill/>
-        </p:spPr>
-        <p:txBody>
-          <a:bodyPr wrap="square" rtlCol="0">
-            <a:spAutoFit/>
-          </a:bodyPr>
-          <a:lstStyle/>
-          <a:p>
-            <a:r>
-              <a:rPr lang="pt-BR" sz="1400" dirty="0" smtClean="0"/>
-              <a:t>COLLECTOR</a:t>
-            </a:r>
-          </a:p>
-          <a:p>
-            <a:endParaRPr lang="pt-BR" sz="1400" dirty="0"/>
-          </a:p>
-          <a:p>
-            <a:r>
-              <a:rPr lang="pt-BR" sz="1400" dirty="0" smtClean="0"/>
-              <a:t>Controlador</a:t>
-            </a:r>
-          </a:p>
-          <a:p>
-            <a:r>
-              <a:rPr lang="pt-BR" sz="1400" dirty="0" smtClean="0"/>
-              <a:t>Switches</a:t>
-            </a:r>
-          </a:p>
-          <a:p>
-            <a:endParaRPr lang="pt-BR" sz="1400" dirty="0"/>
-          </a:p>
-        </p:txBody>
-      </p:sp>
-      <p:sp>
-        <p:nvSpPr>
-          <p:cNvPr id="8" name="Retângulo 7"/>
-          <p:cNvSpPr/>
-          <p:nvPr/>
-        </p:nvSpPr>
-        <p:spPr>
-          <a:xfrm>
-            <a:off x="5938690" y="1766054"/>
-            <a:ext cx="3237115" cy="3100144"/>
-          </a:xfrm>
-          <a:prstGeom prst="rect">
-            <a:avLst/>
-          </a:prstGeom>
-          <a:noFill/>
-        </p:spPr>
-        <p:style>
-          <a:lnRef idx="2">
-            <a:schemeClr val="accent1">
-              <a:shade val="50000"/>
-            </a:schemeClr>
-          </a:lnRef>
-          <a:fillRef idx="1">
-            <a:schemeClr val="accent1"/>
-          </a:fillRef>
-          <a:effectRef idx="0">
-            <a:schemeClr val="accent1"/>
-          </a:effectRef>
-          <a:fontRef idx="minor">
-            <a:schemeClr val="lt1"/>
-          </a:fontRef>
-        </p:style>
-        <p:txBody>
-          <a:bodyPr rtlCol="0" anchor="ctr"/>
-          <a:lstStyle/>
-          <a:p>
-            <a:pPr algn="ctr"/>
-            <a:r>
-              <a:rPr lang="pt-BR" dirty="0" smtClean="0"/>
-              <a:t>V</a:t>
-            </a:r>
-            <a:endParaRPr lang="pt-BR" dirty="0"/>
-          </a:p>
-        </p:txBody>
-      </p:sp>
-      <p:sp>
-        <p:nvSpPr>
-          <p:cNvPr id="9" name="Seta para baixo 8"/>
-          <p:cNvSpPr/>
-          <p:nvPr/>
-        </p:nvSpPr>
-        <p:spPr>
-          <a:xfrm rot="16200000" flipH="1">
-            <a:off x="5596928" y="3211035"/>
-            <a:ext cx="158787" cy="210182"/>
-          </a:xfrm>
-          <a:prstGeom prst="downArrow">
-            <a:avLst/>
-          </a:prstGeom>
-        </p:spPr>
-        <p:style>
-          <a:lnRef idx="2">
-            <a:schemeClr val="accent1">
-              <a:shade val="50000"/>
-            </a:schemeClr>
-          </a:lnRef>
-          <a:fillRef idx="1">
-            <a:schemeClr val="accent1"/>
-          </a:fillRef>
-          <a:effectRef idx="0">
-            <a:schemeClr val="accent1"/>
-          </a:effectRef>
-          <a:fontRef idx="minor">
-            <a:schemeClr val="lt1"/>
-          </a:fontRef>
-        </p:style>
-        <p:txBody>
-          <a:bodyPr rtlCol="0" anchor="ctr"/>
-          <a:lstStyle/>
-          <a:p>
-            <a:pPr algn="ctr"/>
-            <a:endParaRPr lang="pt-BR"/>
-          </a:p>
-        </p:txBody>
-      </p:sp>
-      <p:sp>
-        <p:nvSpPr>
-          <p:cNvPr id="10" name="CaixaDeTexto 9"/>
-          <p:cNvSpPr txBox="1"/>
-          <p:nvPr/>
-        </p:nvSpPr>
-        <p:spPr>
-          <a:xfrm>
-            <a:off x="5940197" y="1765174"/>
-            <a:ext cx="3390600" cy="523220"/>
-          </a:xfrm>
-          <a:prstGeom prst="rect">
-            <a:avLst/>
-          </a:prstGeom>
-          <a:noFill/>
-        </p:spPr>
-        <p:txBody>
-          <a:bodyPr wrap="square" rtlCol="0">
-            <a:spAutoFit/>
-          </a:bodyPr>
-          <a:lstStyle/>
-          <a:p>
-            <a:r>
-              <a:rPr lang="pt-BR" sz="1400" dirty="0" smtClean="0"/>
-              <a:t>REPORT</a:t>
-            </a:r>
-          </a:p>
-          <a:p>
-            <a:r>
-              <a:rPr lang="pt-BR" sz="1400" dirty="0" smtClean="0"/>
-              <a:t>GENERATOR</a:t>
-            </a:r>
-            <a:endParaRPr lang="pt-BR" sz="1400" dirty="0"/>
-          </a:p>
-        </p:txBody>
-      </p:sp>
-    </p:spTree>
-    <p:extLst>
-      <p:ext uri="{BB962C8B-B14F-4D97-AF65-F5344CB8AC3E}">
-        <p14:creationId xmlns:p14="http://schemas.microsoft.com/office/powerpoint/2010/main" val="3212054775"/>
-      </p:ext>
-    </p:extLst>
-  </p:cSld>
-  <p:clrMapOvr>
-    <a:masterClrMapping/>
-  </p:clrMapOvr>
+  <p:timing>
+    <p:tnLst>
+      <p:par>
+        <p:cTn id="1" dur="indefinite" restart="never" nodeType="tmRoot"/>
+      </p:par>
+    </p:tnLst>
+  </p:timing>
 </p:sld>
 </file>
 

--- a/arquitetura.pptx
+++ b/arquitetura.pptx
@@ -8,6 +8,8 @@
     <p:sldId id="256" r:id="rId2"/>
     <p:sldId id="257" r:id="rId3"/>
     <p:sldId id="259" r:id="rId4"/>
+    <p:sldId id="260" r:id="rId5"/>
+    <p:sldId id="261" r:id="rId6"/>
   </p:sldIdLst>
   <p:sldSz cx="12192000" cy="6858000"/>
   <p:notesSz cx="6858000" cy="9144000"/>
@@ -312,7 +314,7 @@
           <a:p>
             <a:fld id="{924843CB-3774-4423-B2FF-D6E13EC0AB0C}" type="datetimeFigureOut">
               <a:rPr lang="pt-BR" smtClean="0"/>
-              <a:t>12/07/2022</a:t>
+              <a:t>25/07/2022</a:t>
             </a:fld>
             <a:endParaRPr lang="pt-BR"/>
           </a:p>
@@ -482,7 +484,7 @@
           <a:p>
             <a:fld id="{924843CB-3774-4423-B2FF-D6E13EC0AB0C}" type="datetimeFigureOut">
               <a:rPr lang="pt-BR" smtClean="0"/>
-              <a:t>12/07/2022</a:t>
+              <a:t>25/07/2022</a:t>
             </a:fld>
             <a:endParaRPr lang="pt-BR"/>
           </a:p>
@@ -662,7 +664,7 @@
           <a:p>
             <a:fld id="{924843CB-3774-4423-B2FF-D6E13EC0AB0C}" type="datetimeFigureOut">
               <a:rPr lang="pt-BR" smtClean="0"/>
-              <a:t>12/07/2022</a:t>
+              <a:t>25/07/2022</a:t>
             </a:fld>
             <a:endParaRPr lang="pt-BR"/>
           </a:p>
@@ -832,7 +834,7 @@
           <a:p>
             <a:fld id="{924843CB-3774-4423-B2FF-D6E13EC0AB0C}" type="datetimeFigureOut">
               <a:rPr lang="pt-BR" smtClean="0"/>
-              <a:t>12/07/2022</a:t>
+              <a:t>25/07/2022</a:t>
             </a:fld>
             <a:endParaRPr lang="pt-BR"/>
           </a:p>
@@ -1078,7 +1080,7 @@
           <a:p>
             <a:fld id="{924843CB-3774-4423-B2FF-D6E13EC0AB0C}" type="datetimeFigureOut">
               <a:rPr lang="pt-BR" smtClean="0"/>
-              <a:t>12/07/2022</a:t>
+              <a:t>25/07/2022</a:t>
             </a:fld>
             <a:endParaRPr lang="pt-BR"/>
           </a:p>
@@ -1310,7 +1312,7 @@
           <a:p>
             <a:fld id="{924843CB-3774-4423-B2FF-D6E13EC0AB0C}" type="datetimeFigureOut">
               <a:rPr lang="pt-BR" smtClean="0"/>
-              <a:t>12/07/2022</a:t>
+              <a:t>25/07/2022</a:t>
             </a:fld>
             <a:endParaRPr lang="pt-BR"/>
           </a:p>
@@ -1677,7 +1679,7 @@
           <a:p>
             <a:fld id="{924843CB-3774-4423-B2FF-D6E13EC0AB0C}" type="datetimeFigureOut">
               <a:rPr lang="pt-BR" smtClean="0"/>
-              <a:t>12/07/2022</a:t>
+              <a:t>25/07/2022</a:t>
             </a:fld>
             <a:endParaRPr lang="pt-BR"/>
           </a:p>
@@ -1795,7 +1797,7 @@
           <a:p>
             <a:fld id="{924843CB-3774-4423-B2FF-D6E13EC0AB0C}" type="datetimeFigureOut">
               <a:rPr lang="pt-BR" smtClean="0"/>
-              <a:t>12/07/2022</a:t>
+              <a:t>25/07/2022</a:t>
             </a:fld>
             <a:endParaRPr lang="pt-BR"/>
           </a:p>
@@ -1890,7 +1892,7 @@
           <a:p>
             <a:fld id="{924843CB-3774-4423-B2FF-D6E13EC0AB0C}" type="datetimeFigureOut">
               <a:rPr lang="pt-BR" smtClean="0"/>
-              <a:t>12/07/2022</a:t>
+              <a:t>25/07/2022</a:t>
             </a:fld>
             <a:endParaRPr lang="pt-BR"/>
           </a:p>
@@ -2167,7 +2169,7 @@
           <a:p>
             <a:fld id="{924843CB-3774-4423-B2FF-D6E13EC0AB0C}" type="datetimeFigureOut">
               <a:rPr lang="pt-BR" smtClean="0"/>
-              <a:t>12/07/2022</a:t>
+              <a:t>25/07/2022</a:t>
             </a:fld>
             <a:endParaRPr lang="pt-BR"/>
           </a:p>
@@ -2420,7 +2422,7 @@
           <a:p>
             <a:fld id="{924843CB-3774-4423-B2FF-D6E13EC0AB0C}" type="datetimeFigureOut">
               <a:rPr lang="pt-BR" smtClean="0"/>
-              <a:t>12/07/2022</a:t>
+              <a:t>25/07/2022</a:t>
             </a:fld>
             <a:endParaRPr lang="pt-BR"/>
           </a:p>
@@ -2633,7 +2635,7 @@
           <a:p>
             <a:fld id="{924843CB-3774-4423-B2FF-D6E13EC0AB0C}" type="datetimeFigureOut">
               <a:rPr lang="pt-BR" smtClean="0"/>
-              <a:t>12/07/2022</a:t>
+              <a:t>25/07/2022</a:t>
             </a:fld>
             <a:endParaRPr lang="pt-BR"/>
           </a:p>
@@ -6849,11 +6851,7 @@
           <a:p>
             <a:r>
               <a:rPr lang="pt-BR" dirty="0" smtClean="0"/>
-              <a:t>UI</a:t>
-            </a:r>
-            <a:r>
-              <a:rPr lang="pt-BR" dirty="0" smtClean="0"/>
-              <a:t>(HTML ou TKINTER)</a:t>
+              <a:t>UI(HTML ou TKINTER)</a:t>
             </a:r>
             <a:endParaRPr lang="pt-BR" dirty="0"/>
           </a:p>
@@ -7670,11 +7668,7 @@
           <a:p>
             <a:r>
               <a:rPr lang="pt-BR" dirty="0" smtClean="0"/>
-              <a:t>REPORT GENERATOR </a:t>
-            </a:r>
-            <a:r>
-              <a:rPr lang="pt-BR" dirty="0" smtClean="0"/>
-              <a:t>MODULE</a:t>
+              <a:t>REPORT GENERATOR MODULE</a:t>
             </a:r>
             <a:endParaRPr lang="pt-BR" dirty="0"/>
           </a:p>
@@ -7886,14 +7880,12 @@
               <a:rPr lang="pt-BR" sz="1000" dirty="0" smtClean="0"/>
               <a:t> </a:t>
             </a:r>
-            <a:endParaRPr lang="pt-BR" sz="1000" dirty="0" smtClean="0"/>
           </a:p>
           <a:p>
             <a:r>
               <a:rPr lang="pt-BR" sz="1000" dirty="0" smtClean="0"/>
               <a:t>response</a:t>
             </a:r>
-            <a:endParaRPr lang="pt-BR" sz="1000" dirty="0" smtClean="0"/>
           </a:p>
         </p:txBody>
       </p:sp>
@@ -8275,14 +8267,12 @@
               <a:rPr lang="pt-BR" sz="1000" dirty="0" smtClean="0"/>
               <a:t> </a:t>
             </a:r>
-            <a:endParaRPr lang="pt-BR" sz="1000" dirty="0" smtClean="0"/>
           </a:p>
           <a:p>
             <a:r>
               <a:rPr lang="pt-BR" sz="1000" dirty="0" smtClean="0"/>
               <a:t>response</a:t>
             </a:r>
-            <a:endParaRPr lang="pt-BR" sz="1000" dirty="0" smtClean="0"/>
           </a:p>
         </p:txBody>
       </p:sp>
@@ -8356,14 +8346,12 @@
               <a:rPr lang="pt-BR" sz="1000" dirty="0" smtClean="0"/>
               <a:t> </a:t>
             </a:r>
-            <a:endParaRPr lang="pt-BR" sz="1000" dirty="0" smtClean="0"/>
           </a:p>
           <a:p>
             <a:r>
               <a:rPr lang="pt-BR" sz="1000" dirty="0" smtClean="0"/>
               <a:t>response</a:t>
             </a:r>
-            <a:endParaRPr lang="pt-BR" sz="1000" dirty="0" smtClean="0"/>
           </a:p>
         </p:txBody>
       </p:sp>
@@ -8690,6 +8678,320 @@
       </p:par>
     </p:tnLst>
   </p:timing>
+</p:sld>
+</file>
+
+<file path=ppt/slides/slide4.xml><?xml version="1.0" encoding="utf-8"?>
+<p:sld xmlns:a="http://schemas.openxmlformats.org/drawingml/2006/main" xmlns:r="http://schemas.openxmlformats.org/officeDocument/2006/relationships" xmlns:p="http://schemas.openxmlformats.org/presentationml/2006/main">
+  <p:cSld>
+    <p:spTree>
+      <p:nvGrpSpPr>
+        <p:cNvPr id="1" name=""/>
+        <p:cNvGrpSpPr/>
+        <p:nvPr/>
+      </p:nvGrpSpPr>
+      <p:grpSpPr>
+        <a:xfrm>
+          <a:off x="0" y="0"/>
+          <a:ext cx="0" cy="0"/>
+          <a:chOff x="0" y="0"/>
+          <a:chExt cx="0" cy="0"/>
+        </a:xfrm>
+      </p:grpSpPr>
+      <p:sp>
+        <p:nvSpPr>
+          <p:cNvPr id="2" name="Título 1"/>
+          <p:cNvSpPr>
+            <a:spLocks noGrp="1"/>
+          </p:cNvSpPr>
+          <p:nvPr>
+            <p:ph type="title"/>
+          </p:nvPr>
+        </p:nvSpPr>
+        <p:spPr/>
+        <p:txBody>
+          <a:bodyPr/>
+          <a:lstStyle/>
+          <a:p>
+            <a:r>
+              <a:rPr lang="pt-BR" dirty="0" smtClean="0"/>
+              <a:t>GUI</a:t>
+            </a:r>
+            <a:endParaRPr lang="pt-BR" dirty="0"/>
+          </a:p>
+        </p:txBody>
+      </p:sp>
+      <p:sp>
+        <p:nvSpPr>
+          <p:cNvPr id="3" name="Espaço Reservado para Conteúdo 2"/>
+          <p:cNvSpPr>
+            <a:spLocks noGrp="1"/>
+          </p:cNvSpPr>
+          <p:nvPr>
+            <p:ph idx="1"/>
+          </p:nvPr>
+        </p:nvSpPr>
+        <p:spPr/>
+        <p:txBody>
+          <a:bodyPr/>
+          <a:lstStyle/>
+          <a:p>
+            <a:r>
+              <a:rPr lang="pt-BR" dirty="0" smtClean="0"/>
+              <a:t>Objetivo:</a:t>
+            </a:r>
+          </a:p>
+          <a:p>
+            <a:pPr lvl="1"/>
+            <a:r>
+              <a:rPr lang="pt-BR" dirty="0" smtClean="0"/>
+              <a:t>Execução local ou remota do experimento</a:t>
+            </a:r>
+          </a:p>
+          <a:p>
+            <a:pPr lvl="1"/>
+            <a:r>
+              <a:rPr lang="pt-BR" dirty="0" smtClean="0"/>
+              <a:t>Permitir visualização global do experimento (status de conexão e atividade dos nós)</a:t>
+            </a:r>
+          </a:p>
+          <a:p>
+            <a:pPr lvl="1"/>
+            <a:r>
+              <a:rPr lang="pt-BR" dirty="0" smtClean="0"/>
+              <a:t>Permitir acesso aos </a:t>
+            </a:r>
+            <a:r>
+              <a:rPr lang="pt-BR" dirty="0" err="1" smtClean="0"/>
+              <a:t>containeres</a:t>
+            </a:r>
+            <a:r>
+              <a:rPr lang="pt-BR" dirty="0" smtClean="0"/>
+              <a:t> abrindo um </a:t>
+            </a:r>
+            <a:r>
+              <a:rPr lang="pt-BR" dirty="0" err="1" smtClean="0"/>
+              <a:t>ssh</a:t>
+            </a:r>
+            <a:r>
+              <a:rPr lang="pt-BR" dirty="0" smtClean="0"/>
+              <a:t> ao container</a:t>
+            </a:r>
+          </a:p>
+          <a:p>
+            <a:pPr lvl="1"/>
+            <a:r>
+              <a:rPr lang="pt-BR" dirty="0" smtClean="0"/>
+              <a:t>Permitir visualizar os dados sendo trafegados na rede</a:t>
+            </a:r>
+          </a:p>
+          <a:p>
+            <a:pPr lvl="1"/>
+            <a:r>
+              <a:rPr lang="pt-BR" dirty="0" smtClean="0"/>
+              <a:t>Coletar dados e métricas do experimento</a:t>
+            </a:r>
+          </a:p>
+          <a:p>
+            <a:pPr lvl="1"/>
+            <a:r>
+              <a:rPr lang="pt-BR" dirty="0" err="1" smtClean="0"/>
+              <a:t>Dashboard</a:t>
+            </a:r>
+            <a:r>
+              <a:rPr lang="pt-BR" dirty="0" smtClean="0"/>
+              <a:t> com </a:t>
+            </a:r>
+            <a:r>
+              <a:rPr lang="pt-BR" dirty="0" err="1" smtClean="0"/>
+              <a:t>plots</a:t>
+            </a:r>
+            <a:r>
+              <a:rPr lang="pt-BR" dirty="0" smtClean="0"/>
+              <a:t> dos dados coletados</a:t>
+            </a:r>
+          </a:p>
+          <a:p>
+            <a:pPr lvl="1"/>
+            <a:r>
+              <a:rPr lang="pt-BR" dirty="0" smtClean="0"/>
+              <a:t>Criação visual de experimentos</a:t>
+            </a:r>
+          </a:p>
+          <a:p>
+            <a:pPr lvl="1"/>
+            <a:r>
+              <a:rPr lang="pt-BR" dirty="0" smtClean="0"/>
+              <a:t>Exportar e importar JSON do experimento</a:t>
+            </a:r>
+          </a:p>
+          <a:p>
+            <a:pPr lvl="1"/>
+            <a:endParaRPr lang="pt-BR" dirty="0"/>
+          </a:p>
+        </p:txBody>
+      </p:sp>
+    </p:spTree>
+    <p:extLst>
+      <p:ext uri="{BB962C8B-B14F-4D97-AF65-F5344CB8AC3E}">
+        <p14:creationId xmlns:p14="http://schemas.microsoft.com/office/powerpoint/2010/main" val="2321155347"/>
+      </p:ext>
+    </p:extLst>
+  </p:cSld>
+  <p:clrMapOvr>
+    <a:masterClrMapping/>
+  </p:clrMapOvr>
+</p:sld>
+</file>
+
+<file path=ppt/slides/slide5.xml><?xml version="1.0" encoding="utf-8"?>
+<p:sld xmlns:a="http://schemas.openxmlformats.org/drawingml/2006/main" xmlns:r="http://schemas.openxmlformats.org/officeDocument/2006/relationships" xmlns:p="http://schemas.openxmlformats.org/presentationml/2006/main">
+  <p:cSld>
+    <p:spTree>
+      <p:nvGrpSpPr>
+        <p:cNvPr id="1" name=""/>
+        <p:cNvGrpSpPr/>
+        <p:nvPr/>
+      </p:nvGrpSpPr>
+      <p:grpSpPr>
+        <a:xfrm>
+          <a:off x="0" y="0"/>
+          <a:ext cx="0" cy="0"/>
+          <a:chOff x="0" y="0"/>
+          <a:chExt cx="0" cy="0"/>
+        </a:xfrm>
+      </p:grpSpPr>
+      <p:sp>
+        <p:nvSpPr>
+          <p:cNvPr id="2" name="Título 1"/>
+          <p:cNvSpPr>
+            <a:spLocks noGrp="1"/>
+          </p:cNvSpPr>
+          <p:nvPr>
+            <p:ph type="title"/>
+          </p:nvPr>
+        </p:nvSpPr>
+        <p:spPr/>
+        <p:txBody>
+          <a:bodyPr/>
+          <a:lstStyle/>
+          <a:p>
+            <a:r>
+              <a:rPr lang="pt-BR" dirty="0" smtClean="0"/>
+              <a:t>Módulos</a:t>
+            </a:r>
+            <a:endParaRPr lang="pt-BR" dirty="0"/>
+          </a:p>
+        </p:txBody>
+      </p:sp>
+      <p:sp>
+        <p:nvSpPr>
+          <p:cNvPr id="3" name="Espaço Reservado para Conteúdo 2"/>
+          <p:cNvSpPr>
+            <a:spLocks noGrp="1"/>
+          </p:cNvSpPr>
+          <p:nvPr>
+            <p:ph idx="1"/>
+          </p:nvPr>
+        </p:nvSpPr>
+        <p:spPr/>
+        <p:txBody>
+          <a:bodyPr/>
+          <a:lstStyle/>
+          <a:p>
+            <a:r>
+              <a:rPr lang="pt-BR" dirty="0" err="1" smtClean="0"/>
+              <a:t>Webpage</a:t>
+            </a:r>
+            <a:r>
+              <a:rPr lang="pt-BR" dirty="0" smtClean="0"/>
+              <a:t>:</a:t>
+            </a:r>
+          </a:p>
+          <a:p>
+            <a:pPr lvl="1"/>
+            <a:r>
+              <a:rPr lang="pt-BR" dirty="0" smtClean="0"/>
+              <a:t>Página inicial:</a:t>
+            </a:r>
+          </a:p>
+          <a:p>
+            <a:pPr lvl="2"/>
+            <a:r>
+              <a:rPr lang="pt-BR" dirty="0" smtClean="0"/>
+              <a:t>Breve descrição da ferramenta</a:t>
+            </a:r>
+          </a:p>
+          <a:p>
+            <a:pPr lvl="2"/>
+            <a:r>
+              <a:rPr lang="pt-BR" dirty="0" smtClean="0"/>
+              <a:t>Link úteis</a:t>
+            </a:r>
+          </a:p>
+          <a:p>
+            <a:pPr lvl="2"/>
+            <a:r>
+              <a:rPr lang="pt-BR" dirty="0" smtClean="0"/>
+              <a:t>Acessar a ferramenta localmente</a:t>
+            </a:r>
+          </a:p>
+          <a:p>
+            <a:pPr lvl="3"/>
+            <a:r>
+              <a:rPr lang="pt-BR" dirty="0" smtClean="0"/>
+              <a:t>Iniciar o REST API localmente em IP e porta desejada</a:t>
+            </a:r>
+          </a:p>
+          <a:p>
+            <a:pPr lvl="2"/>
+            <a:r>
+              <a:rPr lang="pt-BR" dirty="0" smtClean="0"/>
+              <a:t>Acessar a ferramenta remotamente</a:t>
+            </a:r>
+          </a:p>
+          <a:p>
+            <a:pPr lvl="3"/>
+            <a:r>
+              <a:rPr lang="pt-BR" dirty="0" smtClean="0"/>
+              <a:t>Fazer um GET para verificar a conexão com o servidor</a:t>
+            </a:r>
+          </a:p>
+          <a:p>
+            <a:pPr lvl="3"/>
+            <a:r>
+              <a:rPr lang="pt-BR" dirty="0" smtClean="0"/>
+              <a:t>Abrir uma sessão com </a:t>
+            </a:r>
+            <a:r>
+              <a:rPr lang="pt-BR" dirty="0" err="1" smtClean="0"/>
+              <a:t>password</a:t>
+            </a:r>
+            <a:r>
+              <a:rPr lang="pt-BR" dirty="0" smtClean="0"/>
+              <a:t> para obter dados do servidor</a:t>
+            </a:r>
+          </a:p>
+          <a:p>
+            <a:pPr lvl="3"/>
+            <a:endParaRPr lang="pt-BR" dirty="0" smtClean="0"/>
+          </a:p>
+          <a:p>
+            <a:pPr lvl="2"/>
+            <a:endParaRPr lang="pt-BR" dirty="0" smtClean="0"/>
+          </a:p>
+        </p:txBody>
+      </p:sp>
+    </p:spTree>
+    <p:extLst>
+      <p:ext uri="{BB962C8B-B14F-4D97-AF65-F5344CB8AC3E}">
+        <p14:creationId xmlns:p14="http://schemas.microsoft.com/office/powerpoint/2010/main" val="3974298789"/>
+      </p:ext>
+    </p:extLst>
+  </p:cSld>
+  <p:clrMapOvr>
+    <a:masterClrMapping/>
+  </p:clrMapOvr>
 </p:sld>
 </file>
 
